--- a/NoSQL.pptx
+++ b/NoSQL.pptx
@@ -1,18 +1,18 @@
 
 <file path=ppt/presentation.xml><?xml version="1.0" encoding="utf-8"?>
-<p:presentation xmlns:a="http://schemas.openxmlformats.org/drawingml/2006/main" xmlns:r="http://schemas.openxmlformats.org/officeDocument/2006/relationships" xmlns:p="http://schemas.openxmlformats.org/presentationml/2006/main" xmlns:m="http://schemas.openxmlformats.org/officeDocument/2006/math" xmlns:a14="http://schemas.microsoft.com/office/drawing/2010/main">
+<p:presentation xmlns:a="http://schemas.openxmlformats.org/drawingml/2006/main" xmlns:r="http://schemas.openxmlformats.org/officeDocument/2006/relationships" xmlns:p="http://schemas.openxmlformats.org/presentationml/2006/main">
   <p:sldMasterIdLst>
-    <p:sldMasterId id="2147483648" r:id="rId5"/>
+    <p:sldMasterId id="2147483648" r:id="rId1"/>
   </p:sldMasterIdLst>
   <p:notesMasterIdLst>
     <p:notesMasterId r:id="rId7"/>
   </p:notesMasterIdLst>
   <p:sldIdLst>
-    <p:sldId id="256" r:id="rId8"/>
-    <p:sldId id="257" r:id="rId9"/>
-    <p:sldId id="258" r:id="rId10"/>
-    <p:sldId id="259" r:id="rId11"/>
-    <p:sldId id="260" r:id="rId12"/>
+    <p:sldId id="256" r:id="rId2"/>
+    <p:sldId id="257" r:id="rId3"/>
+    <p:sldId id="258" r:id="rId4"/>
+    <p:sldId id="259" r:id="rId5"/>
+    <p:sldId id="260" r:id="rId6"/>
   </p:sldIdLst>
   <p:sldSz cx="24384000" cy="13716000"/>
   <p:notesSz cx="6858000" cy="9144000"/>
@@ -32,7 +32,7 @@
       <a:buFontTx/>
       <a:buNone/>
       <a:tabLst/>
-      <a:defRPr b="0" baseline="0" cap="none" i="0" spc="0" strike="noStrike" sz="1800" u="none" kumimoji="0" normalizeH="0">
+      <a:defRPr kumimoji="0" sz="1800" b="0" i="0" u="none" strike="noStrike" cap="none" spc="0" normalizeH="0" baseline="0">
         <a:ln>
           <a:noFill/>
         </a:ln>
@@ -58,7 +58,7 @@
       <a:buFontTx/>
       <a:buNone/>
       <a:tabLst/>
-      <a:defRPr b="0" baseline="0" cap="none" i="0" spc="0" strike="noStrike" sz="2400" u="none" kumimoji="0" normalizeH="0">
+      <a:defRPr kumimoji="0" sz="2400" b="0" i="0" u="none" strike="noStrike" cap="none" spc="0" normalizeH="0" baseline="0">
         <a:ln>
           <a:noFill/>
         </a:ln>
@@ -88,7 +88,7 @@
       <a:buFontTx/>
       <a:buNone/>
       <a:tabLst/>
-      <a:defRPr b="0" baseline="0" cap="none" i="0" spc="0" strike="noStrike" sz="2400" u="none" kumimoji="0" normalizeH="0">
+      <a:defRPr kumimoji="0" sz="2400" b="0" i="0" u="none" strike="noStrike" cap="none" spc="0" normalizeH="0" baseline="0">
         <a:ln>
           <a:noFill/>
         </a:ln>
@@ -118,7 +118,7 @@
       <a:buFontTx/>
       <a:buNone/>
       <a:tabLst/>
-      <a:defRPr b="0" baseline="0" cap="none" i="0" spc="0" strike="noStrike" sz="2400" u="none" kumimoji="0" normalizeH="0">
+      <a:defRPr kumimoji="0" sz="2400" b="0" i="0" u="none" strike="noStrike" cap="none" spc="0" normalizeH="0" baseline="0">
         <a:ln>
           <a:noFill/>
         </a:ln>
@@ -148,7 +148,7 @@
       <a:buFontTx/>
       <a:buNone/>
       <a:tabLst/>
-      <a:defRPr b="0" baseline="0" cap="none" i="0" spc="0" strike="noStrike" sz="2400" u="none" kumimoji="0" normalizeH="0">
+      <a:defRPr kumimoji="0" sz="2400" b="0" i="0" u="none" strike="noStrike" cap="none" spc="0" normalizeH="0" baseline="0">
         <a:ln>
           <a:noFill/>
         </a:ln>
@@ -178,7 +178,7 @@
       <a:buFontTx/>
       <a:buNone/>
       <a:tabLst/>
-      <a:defRPr b="0" baseline="0" cap="none" i="0" spc="0" strike="noStrike" sz="2400" u="none" kumimoji="0" normalizeH="0">
+      <a:defRPr kumimoji="0" sz="2400" b="0" i="0" u="none" strike="noStrike" cap="none" spc="0" normalizeH="0" baseline="0">
         <a:ln>
           <a:noFill/>
         </a:ln>
@@ -208,7 +208,7 @@
       <a:buFontTx/>
       <a:buNone/>
       <a:tabLst/>
-      <a:defRPr b="0" baseline="0" cap="none" i="0" spc="0" strike="noStrike" sz="2400" u="none" kumimoji="0" normalizeH="0">
+      <a:defRPr kumimoji="0" sz="2400" b="0" i="0" u="none" strike="noStrike" cap="none" spc="0" normalizeH="0" baseline="0">
         <a:ln>
           <a:noFill/>
         </a:ln>
@@ -238,7 +238,7 @@
       <a:buFontTx/>
       <a:buNone/>
       <a:tabLst/>
-      <a:defRPr b="0" baseline="0" cap="none" i="0" spc="0" strike="noStrike" sz="2400" u="none" kumimoji="0" normalizeH="0">
+      <a:defRPr kumimoji="0" sz="2400" b="0" i="0" u="none" strike="noStrike" cap="none" spc="0" normalizeH="0" baseline="0">
         <a:ln>
           <a:noFill/>
         </a:ln>
@@ -268,7 +268,7 @@
       <a:buFontTx/>
       <a:buNone/>
       <a:tabLst/>
-      <a:defRPr b="0" baseline="0" cap="none" i="0" spc="0" strike="noStrike" sz="2400" u="none" kumimoji="0" normalizeH="0">
+      <a:defRPr kumimoji="0" sz="2400" b="0" i="0" u="none" strike="noStrike" cap="none" spc="0" normalizeH="0" baseline="0">
         <a:ln>
           <a:noFill/>
         </a:ln>
@@ -298,7 +298,7 @@
       <a:buFontTx/>
       <a:buNone/>
       <a:tabLst/>
-      <a:defRPr b="0" baseline="0" cap="none" i="0" spc="0" strike="noStrike" sz="2400" u="none" kumimoji="0" normalizeH="0">
+      <a:defRPr kumimoji="0" sz="2400" b="0" i="0" u="none" strike="noStrike" cap="none" spc="0" normalizeH="0" baseline="0">
         <a:ln>
           <a:noFill/>
         </a:ln>
@@ -317,13 +317,14 @@
 </p:presentation>
 </file>
 
-<file path=ppt/commentAuthors.xml><?xml version="1.0" encoding="utf-8"?>
-<p:cmAuthorLst xmlns:a="http://schemas.openxmlformats.org/drawingml/2006/main" xmlns:r="http://schemas.openxmlformats.org/officeDocument/2006/relationships" xmlns:p="http://schemas.openxmlformats.org/presentationml/2006/main" xmlns:m="http://schemas.openxmlformats.org/officeDocument/2006/math" xmlns:a14="http://schemas.microsoft.com/office/drawing/2010/main"/>
-</file>
-
 <file path=ppt/notesMasters/notesMaster1.xml><?xml version="1.0" encoding="utf-8"?>
-<p:notesMaster xmlns:a="http://schemas.openxmlformats.org/drawingml/2006/main" xmlns:r="http://schemas.openxmlformats.org/officeDocument/2006/relationships" xmlns:p="http://schemas.openxmlformats.org/presentationml/2006/main" xmlns:m="http://schemas.openxmlformats.org/officeDocument/2006/math" xmlns:a14="http://schemas.microsoft.com/office/drawing/2010/main">
+<p:notesMaster xmlns:a="http://schemas.openxmlformats.org/drawingml/2006/main" xmlns:r="http://schemas.openxmlformats.org/officeDocument/2006/relationships" xmlns:p="http://schemas.openxmlformats.org/presentationml/2006/main">
   <p:cSld>
+    <p:bg>
+      <p:bgRef idx="1001">
+        <a:schemeClr val="bg1"/>
+      </p:bgRef>
+    </p:bg>
     <p:spTree>
       <p:nvGrpSpPr>
         <p:cNvPr id="1" name=""/>
@@ -341,7 +342,9 @@
       <p:sp>
         <p:nvSpPr>
           <p:cNvPr id="148" name="Shape 148"/>
-          <p:cNvSpPr/>
+          <p:cNvSpPr>
+            <a:spLocks noGrp="1" noRot="1" noChangeAspect="1"/>
+          </p:cNvSpPr>
           <p:nvPr>
             <p:ph type="sldImg"/>
           </p:nvPr>
@@ -359,14 +362,16 @@
           <a:bodyPr/>
           <a:lstStyle/>
           <a:p>
-            <a:pPr/>
+            <a:endParaRPr/>
           </a:p>
         </p:txBody>
       </p:sp>
       <p:sp>
         <p:nvSpPr>
           <p:cNvPr id="149" name="Shape 149"/>
-          <p:cNvSpPr/>
+          <p:cNvSpPr>
+            <a:spLocks noGrp="1"/>
+          </p:cNvSpPr>
           <p:nvPr>
             <p:ph type="body" sz="quarter" idx="1"/>
           </p:nvPr>
@@ -384,7 +389,7 @@
           <a:bodyPr/>
           <a:lstStyle/>
           <a:p>
-            <a:pPr/>
+            <a:endParaRPr/>
           </a:p>
         </p:txBody>
       </p:sp>
@@ -496,7 +501,7 @@
 </file>
 
 <file path=ppt/slideLayouts/slideLayout1.xml><?xml version="1.0" encoding="utf-8"?>
-<p:sldLayout xmlns:a="http://schemas.openxmlformats.org/drawingml/2006/main" xmlns:r="http://schemas.openxmlformats.org/officeDocument/2006/relationships" xmlns:p="http://schemas.openxmlformats.org/presentationml/2006/main" xmlns:m="http://schemas.openxmlformats.org/officeDocument/2006/math" xmlns:a14="http://schemas.microsoft.com/office/drawing/2010/main" type="title" showMasterSp="1" showMasterPhAnim="1">
+<p:sldLayout xmlns:a="http://schemas.openxmlformats.org/drawingml/2006/main" xmlns:r="http://schemas.openxmlformats.org/officeDocument/2006/relationships" xmlns:p="http://schemas.openxmlformats.org/presentationml/2006/main" type="title">
   <p:cSld name="제목">
     <p:spTree>
       <p:nvGrpSpPr>
@@ -515,7 +520,9 @@
       <p:sp>
         <p:nvSpPr>
           <p:cNvPr id="11" name="저자 및 날짜"/>
-          <p:cNvSpPr txBox="1"/>
+          <p:cNvSpPr txBox="1">
+            <a:spLocks noGrp="1"/>
+          </p:cNvSpPr>
           <p:nvPr>
             <p:ph type="body" sz="quarter" idx="21" hasCustomPrompt="1"/>
           </p:nvPr>
@@ -541,11 +548,10 @@
               </a:spcBef>
               <a:buSzTx/>
               <a:buNone/>
-              <a:defRPr b="1" sz="3420"/>
+              <a:defRPr sz="3420" b="1"/>
             </a:lvl1pPr>
           </a:lstStyle>
           <a:p>
-            <a:pPr/>
             <a:r>
               <a:t>저자 및 날짜</a:t>
             </a:r>
@@ -555,7 +561,9 @@
       <p:sp>
         <p:nvSpPr>
           <p:cNvPr id="12" name="프레젠테이션 제목"/>
-          <p:cNvSpPr txBox="1"/>
+          <p:cNvSpPr txBox="1">
+            <a:spLocks noGrp="1"/>
+          </p:cNvSpPr>
           <p:nvPr>
             <p:ph type="title" hasCustomPrompt="1"/>
           </p:nvPr>
@@ -573,11 +581,10 @@
           <a:bodyPr anchor="b"/>
           <a:lstStyle>
             <a:lvl1pPr>
-              <a:defRPr spc="-232" sz="11600"/>
+              <a:defRPr sz="11600" spc="-232"/>
             </a:lvl1pPr>
           </a:lstStyle>
           <a:p>
-            <a:pPr/>
             <a:r>
               <a:t>프레젠테이션 제목</a:t>
             </a:r>
@@ -587,7 +594,9 @@
       <p:sp>
         <p:nvSpPr>
           <p:cNvPr id="13" name="본문 첫 번째 줄…"/>
-          <p:cNvSpPr txBox="1"/>
+          <p:cNvSpPr txBox="1">
+            <a:spLocks noGrp="1"/>
+          </p:cNvSpPr>
           <p:nvPr>
             <p:ph type="body" sz="quarter" idx="1" hasCustomPrompt="1"/>
           </p:nvPr>
@@ -613,7 +622,7 @@
               </a:spcBef>
               <a:buSzTx/>
               <a:buNone/>
-              <a:defRPr b="1" sz="5500"/>
+              <a:defRPr sz="5500" b="1"/>
             </a:lvl1pPr>
             <a:lvl2pPr marL="0" indent="457200" defTabSz="825500">
               <a:lnSpc>
@@ -624,7 +633,7 @@
               </a:spcBef>
               <a:buSzTx/>
               <a:buNone/>
-              <a:defRPr b="1" sz="5500"/>
+              <a:defRPr sz="5500" b="1"/>
             </a:lvl2pPr>
             <a:lvl3pPr marL="0" indent="914400" defTabSz="825500">
               <a:lnSpc>
@@ -635,7 +644,7 @@
               </a:spcBef>
               <a:buSzTx/>
               <a:buNone/>
-              <a:defRPr b="1" sz="5500"/>
+              <a:defRPr sz="5500" b="1"/>
             </a:lvl3pPr>
             <a:lvl4pPr marL="0" indent="1371600" defTabSz="825500">
               <a:lnSpc>
@@ -646,7 +655,7 @@
               </a:spcBef>
               <a:buSzTx/>
               <a:buNone/>
-              <a:defRPr b="1" sz="5500"/>
+              <a:defRPr sz="5500" b="1"/>
             </a:lvl4pPr>
             <a:lvl5pPr marL="0" indent="1828800" defTabSz="825500">
               <a:lnSpc>
@@ -657,45 +666,38 @@
               </a:spcBef>
               <a:buSzTx/>
               <a:buNone/>
-              <a:defRPr b="1" sz="5500"/>
+              <a:defRPr sz="5500" b="1"/>
             </a:lvl5pPr>
           </a:lstStyle>
           <a:p>
-            <a:pPr/>
             <a:r>
               <a:t>프레젠테이션 부제</a:t>
             </a:r>
           </a:p>
           <a:p>
             <a:pPr lvl="1"/>
-            <a:r>
-              <a:t/>
-            </a:r>
+            <a:endParaRPr/>
           </a:p>
           <a:p>
             <a:pPr lvl="2"/>
-            <a:r>
-              <a:t/>
-            </a:r>
+            <a:endParaRPr/>
           </a:p>
           <a:p>
             <a:pPr lvl="3"/>
-            <a:r>
-              <a:t/>
-            </a:r>
+            <a:endParaRPr/>
           </a:p>
           <a:p>
             <a:pPr lvl="4"/>
-            <a:r>
-              <a:t/>
-            </a:r>
+            <a:endParaRPr/>
           </a:p>
         </p:txBody>
       </p:sp>
       <p:sp>
         <p:nvSpPr>
           <p:cNvPr id="14" name="슬라이드 번호"/>
-          <p:cNvSpPr txBox="1"/>
+          <p:cNvSpPr txBox="1">
+            <a:spLocks noGrp="1"/>
+          </p:cNvSpPr>
           <p:nvPr>
             <p:ph type="sldNum" sz="quarter" idx="2"/>
           </p:nvPr>
@@ -709,8 +711,10 @@
           <a:bodyPr/>
           <a:lstStyle/>
           <a:p>
-            <a:pPr/>
-            <a:fld id="{86CB4B4D-7CA3-9044-876B-883B54F8677D}" type="slidenum"/>
+            <a:fld id="{86CB4B4D-7CA3-9044-876B-883B54F8677D}" type="slidenum">
+              <a:t>‹#›</a:t>
+            </a:fld>
+            <a:endParaRPr/>
           </a:p>
         </p:txBody>
       </p:sp>
@@ -719,12 +723,12 @@
   <p:clrMapOvr>
     <a:masterClrMapping/>
   </p:clrMapOvr>
-  <p:transition xmlns:p14="http://schemas.microsoft.com/office/powerpoint/2010/main" spd="med" advClick="1"/>
+  <p:transition spd="med"/>
 </p:sldLayout>
 </file>
 
 <file path=ppt/slideLayouts/slideLayout10.xml><?xml version="1.0" encoding="utf-8"?>
-<p:sldLayout xmlns:a="http://schemas.openxmlformats.org/drawingml/2006/main" xmlns:r="http://schemas.openxmlformats.org/officeDocument/2006/relationships" xmlns:p="http://schemas.openxmlformats.org/presentationml/2006/main" xmlns:m="http://schemas.openxmlformats.org/officeDocument/2006/math" xmlns:a14="http://schemas.microsoft.com/office/drawing/2010/main" type="tx" showMasterSp="1" showMasterPhAnim="1">
+<p:sldLayout xmlns:a="http://schemas.openxmlformats.org/drawingml/2006/main" xmlns:r="http://schemas.openxmlformats.org/officeDocument/2006/relationships" xmlns:p="http://schemas.openxmlformats.org/presentationml/2006/main" type="tx">
   <p:cSld name="내역서">
     <p:spTree>
       <p:nvGrpSpPr>
@@ -743,7 +747,9 @@
       <p:sp>
         <p:nvSpPr>
           <p:cNvPr id="98" name="본문 첫 번째 줄…"/>
-          <p:cNvSpPr txBox="1"/>
+          <p:cNvSpPr txBox="1">
+            <a:spLocks noGrp="1"/>
+          </p:cNvSpPr>
           <p:nvPr>
             <p:ph type="body" sz="half" idx="1" hasCustomPrompt="1"/>
           </p:nvPr>
@@ -769,7 +775,7 @@
               </a:spcBef>
               <a:buSzTx/>
               <a:buNone/>
-              <a:defRPr spc="-232" sz="11600">
+              <a:defRPr sz="11600" spc="-232">
                 <a:latin typeface="Helvetica Neue Medium"/>
                 <a:ea typeface="Helvetica Neue Medium"/>
                 <a:cs typeface="Helvetica Neue Medium"/>
@@ -785,7 +791,7 @@
               </a:spcBef>
               <a:buSzTx/>
               <a:buNone/>
-              <a:defRPr spc="-232" sz="11600">
+              <a:defRPr sz="11600" spc="-232">
                 <a:latin typeface="Helvetica Neue Medium"/>
                 <a:ea typeface="Helvetica Neue Medium"/>
                 <a:cs typeface="Helvetica Neue Medium"/>
@@ -801,7 +807,7 @@
               </a:spcBef>
               <a:buSzTx/>
               <a:buNone/>
-              <a:defRPr spc="-232" sz="11600">
+              <a:defRPr sz="11600" spc="-232">
                 <a:latin typeface="Helvetica Neue Medium"/>
                 <a:ea typeface="Helvetica Neue Medium"/>
                 <a:cs typeface="Helvetica Neue Medium"/>
@@ -817,7 +823,7 @@
               </a:spcBef>
               <a:buSzTx/>
               <a:buNone/>
-              <a:defRPr spc="-232" sz="11600">
+              <a:defRPr sz="11600" spc="-232">
                 <a:latin typeface="Helvetica Neue Medium"/>
                 <a:ea typeface="Helvetica Neue Medium"/>
                 <a:cs typeface="Helvetica Neue Medium"/>
@@ -833,7 +839,7 @@
               </a:spcBef>
               <a:buSzTx/>
               <a:buNone/>
-              <a:defRPr spc="-232" sz="11600">
+              <a:defRPr sz="11600" spc="-232">
                 <a:latin typeface="Helvetica Neue Medium"/>
                 <a:ea typeface="Helvetica Neue Medium"/>
                 <a:cs typeface="Helvetica Neue Medium"/>
@@ -842,41 +848,34 @@
             </a:lvl5pPr>
           </a:lstStyle>
           <a:p>
-            <a:pPr/>
             <a:r>
               <a:t>내역서</a:t>
             </a:r>
           </a:p>
           <a:p>
             <a:pPr lvl="1"/>
-            <a:r>
-              <a:t/>
-            </a:r>
+            <a:endParaRPr/>
           </a:p>
           <a:p>
             <a:pPr lvl="2"/>
-            <a:r>
-              <a:t/>
-            </a:r>
+            <a:endParaRPr/>
           </a:p>
           <a:p>
             <a:pPr lvl="3"/>
-            <a:r>
-              <a:t/>
-            </a:r>
+            <a:endParaRPr/>
           </a:p>
           <a:p>
             <a:pPr lvl="4"/>
-            <a:r>
-              <a:t/>
-            </a:r>
+            <a:endParaRPr/>
           </a:p>
         </p:txBody>
       </p:sp>
       <p:sp>
         <p:nvSpPr>
           <p:cNvPr id="99" name="슬라이드 번호"/>
-          <p:cNvSpPr txBox="1"/>
+          <p:cNvSpPr txBox="1">
+            <a:spLocks noGrp="1"/>
+          </p:cNvSpPr>
           <p:nvPr>
             <p:ph type="sldNum" sz="quarter" idx="2"/>
           </p:nvPr>
@@ -890,8 +889,10 @@
           <a:bodyPr/>
           <a:lstStyle/>
           <a:p>
-            <a:pPr/>
-            <a:fld id="{86CB4B4D-7CA3-9044-876B-883B54F8677D}" type="slidenum"/>
+            <a:fld id="{86CB4B4D-7CA3-9044-876B-883B54F8677D}" type="slidenum">
+              <a:t>‹#›</a:t>
+            </a:fld>
+            <a:endParaRPr/>
           </a:p>
         </p:txBody>
       </p:sp>
@@ -900,12 +901,12 @@
   <p:clrMapOvr>
     <a:masterClrMapping/>
   </p:clrMapOvr>
-  <p:transition xmlns:p14="http://schemas.microsoft.com/office/powerpoint/2010/main" spd="med" advClick="1"/>
+  <p:transition spd="med"/>
 </p:sldLayout>
 </file>
 
 <file path=ppt/slideLayouts/slideLayout11.xml><?xml version="1.0" encoding="utf-8"?>
-<p:sldLayout xmlns:a="http://schemas.openxmlformats.org/drawingml/2006/main" xmlns:r="http://schemas.openxmlformats.org/officeDocument/2006/relationships" xmlns:p="http://schemas.openxmlformats.org/presentationml/2006/main" xmlns:m="http://schemas.openxmlformats.org/officeDocument/2006/math" xmlns:a14="http://schemas.microsoft.com/office/drawing/2010/main" type="tx" showMasterSp="1" showMasterPhAnim="1">
+<p:sldLayout xmlns:a="http://schemas.openxmlformats.org/drawingml/2006/main" xmlns:r="http://schemas.openxmlformats.org/officeDocument/2006/relationships" xmlns:p="http://schemas.openxmlformats.org/presentationml/2006/main" type="tx">
   <p:cSld name="중요한 사실">
     <p:spTree>
       <p:nvGrpSpPr>
@@ -924,7 +925,9 @@
       <p:sp>
         <p:nvSpPr>
           <p:cNvPr id="106" name="본문 첫 번째 줄…"/>
-          <p:cNvSpPr txBox="1"/>
+          <p:cNvSpPr txBox="1">
+            <a:spLocks noGrp="1"/>
+          </p:cNvSpPr>
           <p:nvPr>
             <p:ph type="body" idx="1" hasCustomPrompt="1"/>
           </p:nvPr>
@@ -950,7 +953,7 @@
               </a:spcBef>
               <a:buSzTx/>
               <a:buNone/>
-              <a:defRPr b="1" spc="-250" sz="25000"/>
+              <a:defRPr sz="25000" b="1" spc="-250"/>
             </a:lvl1pPr>
             <a:lvl2pPr marL="0" indent="457200" algn="ctr">
               <a:lnSpc>
@@ -961,7 +964,7 @@
               </a:spcBef>
               <a:buSzTx/>
               <a:buNone/>
-              <a:defRPr b="1" spc="-250" sz="25000"/>
+              <a:defRPr sz="25000" b="1" spc="-250"/>
             </a:lvl2pPr>
             <a:lvl3pPr marL="0" indent="914400" algn="ctr">
               <a:lnSpc>
@@ -972,7 +975,7 @@
               </a:spcBef>
               <a:buSzTx/>
               <a:buNone/>
-              <a:defRPr b="1" spc="-250" sz="25000"/>
+              <a:defRPr sz="25000" b="1" spc="-250"/>
             </a:lvl3pPr>
             <a:lvl4pPr marL="0" indent="1371600" algn="ctr">
               <a:lnSpc>
@@ -983,7 +986,7 @@
               </a:spcBef>
               <a:buSzTx/>
               <a:buNone/>
-              <a:defRPr b="1" spc="-250" sz="25000"/>
+              <a:defRPr sz="25000" b="1" spc="-250"/>
             </a:lvl4pPr>
             <a:lvl5pPr marL="0" indent="1828800" algn="ctr">
               <a:lnSpc>
@@ -994,45 +997,38 @@
               </a:spcBef>
               <a:buSzTx/>
               <a:buNone/>
-              <a:defRPr b="1" spc="-250" sz="25000"/>
+              <a:defRPr sz="25000" b="1" spc="-250"/>
             </a:lvl5pPr>
           </a:lstStyle>
           <a:p>
-            <a:pPr/>
             <a:r>
               <a:t>100%</a:t>
             </a:r>
           </a:p>
           <a:p>
             <a:pPr lvl="1"/>
-            <a:r>
-              <a:t/>
-            </a:r>
+            <a:endParaRPr/>
           </a:p>
           <a:p>
             <a:pPr lvl="2"/>
-            <a:r>
-              <a:t/>
-            </a:r>
+            <a:endParaRPr/>
           </a:p>
           <a:p>
             <a:pPr lvl="3"/>
-            <a:r>
-              <a:t/>
-            </a:r>
+            <a:endParaRPr/>
           </a:p>
           <a:p>
             <a:pPr lvl="4"/>
-            <a:r>
-              <a:t/>
-            </a:r>
+            <a:endParaRPr/>
           </a:p>
         </p:txBody>
       </p:sp>
       <p:sp>
         <p:nvSpPr>
           <p:cNvPr id="107" name="사실 정보"/>
-          <p:cNvSpPr txBox="1"/>
+          <p:cNvSpPr txBox="1">
+            <a:spLocks noGrp="1"/>
+          </p:cNvSpPr>
           <p:nvPr>
             <p:ph type="body" sz="quarter" idx="21" hasCustomPrompt="1"/>
           </p:nvPr>
@@ -1058,11 +1054,10 @@
               </a:spcBef>
               <a:buSzTx/>
               <a:buNone/>
-              <a:defRPr b="1" sz="5280"/>
+              <a:defRPr sz="5280" b="1"/>
             </a:lvl1pPr>
           </a:lstStyle>
           <a:p>
-            <a:pPr/>
             <a:r>
               <a:t>사실 정보</a:t>
             </a:r>
@@ -1072,7 +1067,9 @@
       <p:sp>
         <p:nvSpPr>
           <p:cNvPr id="108" name="슬라이드 번호"/>
-          <p:cNvSpPr txBox="1"/>
+          <p:cNvSpPr txBox="1">
+            <a:spLocks noGrp="1"/>
+          </p:cNvSpPr>
           <p:nvPr>
             <p:ph type="sldNum" sz="quarter" idx="2"/>
           </p:nvPr>
@@ -1086,8 +1083,10 @@
           <a:bodyPr/>
           <a:lstStyle/>
           <a:p>
-            <a:pPr/>
-            <a:fld id="{86CB4B4D-7CA3-9044-876B-883B54F8677D}" type="slidenum"/>
+            <a:fld id="{86CB4B4D-7CA3-9044-876B-883B54F8677D}" type="slidenum">
+              <a:t>‹#›</a:t>
+            </a:fld>
+            <a:endParaRPr/>
           </a:p>
         </p:txBody>
       </p:sp>
@@ -1096,12 +1095,12 @@
   <p:clrMapOvr>
     <a:masterClrMapping/>
   </p:clrMapOvr>
-  <p:transition xmlns:p14="http://schemas.microsoft.com/office/powerpoint/2010/main" spd="med" advClick="1"/>
+  <p:transition spd="med"/>
 </p:sldLayout>
 </file>
 
 <file path=ppt/slideLayouts/slideLayout12.xml><?xml version="1.0" encoding="utf-8"?>
-<p:sldLayout xmlns:a="http://schemas.openxmlformats.org/drawingml/2006/main" xmlns:r="http://schemas.openxmlformats.org/officeDocument/2006/relationships" xmlns:p="http://schemas.openxmlformats.org/presentationml/2006/main" xmlns:m="http://schemas.openxmlformats.org/officeDocument/2006/math" xmlns:a14="http://schemas.microsoft.com/office/drawing/2010/main" type="tx" showMasterSp="1" showMasterPhAnim="1">
+<p:sldLayout xmlns:a="http://schemas.openxmlformats.org/drawingml/2006/main" xmlns:r="http://schemas.openxmlformats.org/officeDocument/2006/relationships" xmlns:p="http://schemas.openxmlformats.org/presentationml/2006/main" type="tx">
   <p:cSld name="인용">
     <p:spTree>
       <p:nvGrpSpPr>
@@ -1120,7 +1119,9 @@
       <p:sp>
         <p:nvSpPr>
           <p:cNvPr id="115" name="속성"/>
-          <p:cNvSpPr txBox="1"/>
+          <p:cNvSpPr txBox="1">
+            <a:spLocks noGrp="1"/>
+          </p:cNvSpPr>
           <p:nvPr>
             <p:ph type="body" sz="quarter" idx="21" hasCustomPrompt="1"/>
           </p:nvPr>
@@ -1146,11 +1147,10 @@
               </a:spcBef>
               <a:buSzTx/>
               <a:buNone/>
-              <a:defRPr b="1" sz="3600"/>
+              <a:defRPr sz="3600" b="1"/>
             </a:lvl1pPr>
           </a:lstStyle>
           <a:p>
-            <a:pPr/>
             <a:r>
               <a:t>속성</a:t>
             </a:r>
@@ -1160,7 +1160,9 @@
       <p:sp>
         <p:nvSpPr>
           <p:cNvPr id="116" name="본문 첫 번째 줄…"/>
-          <p:cNvSpPr txBox="1"/>
+          <p:cNvSpPr txBox="1">
+            <a:spLocks noGrp="1"/>
+          </p:cNvSpPr>
           <p:nvPr>
             <p:ph type="body" sz="half" idx="1" hasCustomPrompt="1"/>
           </p:nvPr>
@@ -1183,7 +1185,7 @@
               </a:spcBef>
               <a:buSzTx/>
               <a:buNone/>
-              <a:defRPr spc="-170" sz="8500">
+              <a:defRPr sz="8500" spc="-170">
                 <a:latin typeface="Helvetica Neue Medium"/>
                 <a:ea typeface="Helvetica Neue Medium"/>
                 <a:cs typeface="Helvetica Neue Medium"/>
@@ -1196,7 +1198,7 @@
               </a:spcBef>
               <a:buSzTx/>
               <a:buNone/>
-              <a:defRPr spc="-170" sz="8500">
+              <a:defRPr sz="8500" spc="-170">
                 <a:latin typeface="Helvetica Neue Medium"/>
                 <a:ea typeface="Helvetica Neue Medium"/>
                 <a:cs typeface="Helvetica Neue Medium"/>
@@ -1209,7 +1211,7 @@
               </a:spcBef>
               <a:buSzTx/>
               <a:buNone/>
-              <a:defRPr spc="-170" sz="8500">
+              <a:defRPr sz="8500" spc="-170">
                 <a:latin typeface="Helvetica Neue Medium"/>
                 <a:ea typeface="Helvetica Neue Medium"/>
                 <a:cs typeface="Helvetica Neue Medium"/>
@@ -1222,7 +1224,7 @@
               </a:spcBef>
               <a:buSzTx/>
               <a:buNone/>
-              <a:defRPr spc="-170" sz="8500">
+              <a:defRPr sz="8500" spc="-170">
                 <a:latin typeface="Helvetica Neue Medium"/>
                 <a:ea typeface="Helvetica Neue Medium"/>
                 <a:cs typeface="Helvetica Neue Medium"/>
@@ -1235,7 +1237,7 @@
               </a:spcBef>
               <a:buSzTx/>
               <a:buNone/>
-              <a:defRPr spc="-170" sz="8500">
+              <a:defRPr sz="8500" spc="-170">
                 <a:latin typeface="Helvetica Neue Medium"/>
                 <a:ea typeface="Helvetica Neue Medium"/>
                 <a:cs typeface="Helvetica Neue Medium"/>
@@ -1244,41 +1246,34 @@
             </a:lvl5pPr>
           </a:lstStyle>
           <a:p>
-            <a:pPr/>
             <a:r>
               <a:t>“멋진 인용구”</a:t>
             </a:r>
           </a:p>
           <a:p>
             <a:pPr lvl="1"/>
-            <a:r>
-              <a:t/>
-            </a:r>
+            <a:endParaRPr/>
           </a:p>
           <a:p>
             <a:pPr lvl="2"/>
-            <a:r>
-              <a:t/>
-            </a:r>
+            <a:endParaRPr/>
           </a:p>
           <a:p>
             <a:pPr lvl="3"/>
-            <a:r>
-              <a:t/>
-            </a:r>
+            <a:endParaRPr/>
           </a:p>
           <a:p>
             <a:pPr lvl="4"/>
-            <a:r>
-              <a:t/>
-            </a:r>
+            <a:endParaRPr/>
           </a:p>
         </p:txBody>
       </p:sp>
       <p:sp>
         <p:nvSpPr>
           <p:cNvPr id="117" name="슬라이드 번호"/>
-          <p:cNvSpPr txBox="1"/>
+          <p:cNvSpPr txBox="1">
+            <a:spLocks noGrp="1"/>
+          </p:cNvSpPr>
           <p:nvPr>
             <p:ph type="sldNum" sz="quarter" idx="2"/>
           </p:nvPr>
@@ -1292,8 +1287,10 @@
           <a:bodyPr/>
           <a:lstStyle/>
           <a:p>
-            <a:pPr/>
-            <a:fld id="{86CB4B4D-7CA3-9044-876B-883B54F8677D}" type="slidenum"/>
+            <a:fld id="{86CB4B4D-7CA3-9044-876B-883B54F8677D}" type="slidenum">
+              <a:t>‹#›</a:t>
+            </a:fld>
+            <a:endParaRPr/>
           </a:p>
         </p:txBody>
       </p:sp>
@@ -1302,12 +1299,12 @@
   <p:clrMapOvr>
     <a:masterClrMapping/>
   </p:clrMapOvr>
-  <p:transition xmlns:p14="http://schemas.microsoft.com/office/powerpoint/2010/main" spd="med" advClick="1"/>
+  <p:transition spd="med"/>
 </p:sldLayout>
 </file>
 
 <file path=ppt/slideLayouts/slideLayout13.xml><?xml version="1.0" encoding="utf-8"?>
-<p:sldLayout xmlns:a="http://schemas.openxmlformats.org/drawingml/2006/main" xmlns:r="http://schemas.openxmlformats.org/officeDocument/2006/relationships" xmlns:p="http://schemas.openxmlformats.org/presentationml/2006/main" xmlns:m="http://schemas.openxmlformats.org/officeDocument/2006/math" xmlns:a14="http://schemas.microsoft.com/office/drawing/2010/main" type="tx" showMasterSp="1" showMasterPhAnim="1">
+<p:sldLayout xmlns:a="http://schemas.openxmlformats.org/drawingml/2006/main" xmlns:r="http://schemas.openxmlformats.org/officeDocument/2006/relationships" xmlns:p="http://schemas.openxmlformats.org/presentationml/2006/main" type="tx">
   <p:cSld name="사진 - 3장">
     <p:spTree>
       <p:nvGrpSpPr>
@@ -1326,7 +1323,9 @@
       <p:sp>
         <p:nvSpPr>
           <p:cNvPr id="124" name="이미지"/>
-          <p:cNvSpPr/>
+          <p:cNvSpPr>
+            <a:spLocks noGrp="1"/>
+          </p:cNvSpPr>
           <p:nvPr>
             <p:ph type="pic" sz="quarter" idx="21"/>
           </p:nvPr>
@@ -1346,14 +1345,16 @@
           </a:bodyPr>
           <a:lstStyle/>
           <a:p>
-            <a:pPr/>
+            <a:endParaRPr/>
           </a:p>
         </p:txBody>
       </p:sp>
       <p:sp>
         <p:nvSpPr>
           <p:cNvPr id="125" name="이미지"/>
-          <p:cNvSpPr/>
+          <p:cNvSpPr>
+            <a:spLocks noGrp="1"/>
+          </p:cNvSpPr>
           <p:nvPr>
             <p:ph type="pic" sz="half" idx="22"/>
           </p:nvPr>
@@ -1373,14 +1374,16 @@
           </a:bodyPr>
           <a:lstStyle/>
           <a:p>
-            <a:pPr/>
+            <a:endParaRPr/>
           </a:p>
         </p:txBody>
       </p:sp>
       <p:sp>
         <p:nvSpPr>
           <p:cNvPr id="126" name="이미지"/>
-          <p:cNvSpPr/>
+          <p:cNvSpPr>
+            <a:spLocks noGrp="1"/>
+          </p:cNvSpPr>
           <p:nvPr>
             <p:ph type="pic" idx="23"/>
           </p:nvPr>
@@ -1400,14 +1403,16 @@
           </a:bodyPr>
           <a:lstStyle/>
           <a:p>
-            <a:pPr/>
+            <a:endParaRPr/>
           </a:p>
         </p:txBody>
       </p:sp>
       <p:sp>
         <p:nvSpPr>
           <p:cNvPr id="127" name="슬라이드 번호"/>
-          <p:cNvSpPr txBox="1"/>
+          <p:cNvSpPr txBox="1">
+            <a:spLocks noGrp="1"/>
+          </p:cNvSpPr>
           <p:nvPr>
             <p:ph type="sldNum" sz="quarter" idx="2"/>
           </p:nvPr>
@@ -1421,8 +1426,10 @@
           <a:bodyPr/>
           <a:lstStyle/>
           <a:p>
-            <a:pPr/>
-            <a:fld id="{86CB4B4D-7CA3-9044-876B-883B54F8677D}" type="slidenum"/>
+            <a:fld id="{86CB4B4D-7CA3-9044-876B-883B54F8677D}" type="slidenum">
+              <a:t>‹#›</a:t>
+            </a:fld>
+            <a:endParaRPr/>
           </a:p>
         </p:txBody>
       </p:sp>
@@ -1431,12 +1438,12 @@
   <p:clrMapOvr>
     <a:masterClrMapping/>
   </p:clrMapOvr>
-  <p:transition xmlns:p14="http://schemas.microsoft.com/office/powerpoint/2010/main" spd="med" advClick="1"/>
+  <p:transition spd="med"/>
 </p:sldLayout>
 </file>
 
 <file path=ppt/slideLayouts/slideLayout14.xml><?xml version="1.0" encoding="utf-8"?>
-<p:sldLayout xmlns:a="http://schemas.openxmlformats.org/drawingml/2006/main" xmlns:r="http://schemas.openxmlformats.org/officeDocument/2006/relationships" xmlns:p="http://schemas.openxmlformats.org/presentationml/2006/main" xmlns:m="http://schemas.openxmlformats.org/officeDocument/2006/math" xmlns:a14="http://schemas.microsoft.com/office/drawing/2010/main" type="tx" showMasterSp="1" showMasterPhAnim="1">
+<p:sldLayout xmlns:a="http://schemas.openxmlformats.org/drawingml/2006/main" xmlns:r="http://schemas.openxmlformats.org/officeDocument/2006/relationships" xmlns:p="http://schemas.openxmlformats.org/presentationml/2006/main" type="tx">
   <p:cSld name="사진">
     <p:spTree>
       <p:nvGrpSpPr>
@@ -1455,7 +1462,9 @@
       <p:sp>
         <p:nvSpPr>
           <p:cNvPr id="134" name="이미지"/>
-          <p:cNvSpPr/>
+          <p:cNvSpPr>
+            <a:spLocks noGrp="1"/>
+          </p:cNvSpPr>
           <p:nvPr>
             <p:ph type="pic" idx="21"/>
           </p:nvPr>
@@ -1475,14 +1484,16 @@
           </a:bodyPr>
           <a:lstStyle/>
           <a:p>
-            <a:pPr/>
+            <a:endParaRPr/>
           </a:p>
         </p:txBody>
       </p:sp>
       <p:sp>
         <p:nvSpPr>
           <p:cNvPr id="135" name="슬라이드 번호"/>
-          <p:cNvSpPr txBox="1"/>
+          <p:cNvSpPr txBox="1">
+            <a:spLocks noGrp="1"/>
+          </p:cNvSpPr>
           <p:nvPr>
             <p:ph type="sldNum" sz="quarter" idx="2"/>
           </p:nvPr>
@@ -1504,8 +1515,10 @@
             </a:lvl1pPr>
           </a:lstStyle>
           <a:p>
-            <a:pPr/>
-            <a:fld id="{86CB4B4D-7CA3-9044-876B-883B54F8677D}" type="slidenum"/>
+            <a:fld id="{86CB4B4D-7CA3-9044-876B-883B54F8677D}" type="slidenum">
+              <a:t>‹#›</a:t>
+            </a:fld>
+            <a:endParaRPr/>
           </a:p>
         </p:txBody>
       </p:sp>
@@ -1514,12 +1527,12 @@
   <p:clrMapOvr>
     <a:masterClrMapping/>
   </p:clrMapOvr>
-  <p:transition xmlns:p14="http://schemas.microsoft.com/office/powerpoint/2010/main" spd="med" advClick="1"/>
+  <p:transition spd="med"/>
 </p:sldLayout>
 </file>
 
 <file path=ppt/slideLayouts/slideLayout15.xml><?xml version="1.0" encoding="utf-8"?>
-<p:sldLayout xmlns:a="http://schemas.openxmlformats.org/drawingml/2006/main" xmlns:r="http://schemas.openxmlformats.org/officeDocument/2006/relationships" xmlns:p="http://schemas.openxmlformats.org/presentationml/2006/main" xmlns:m="http://schemas.openxmlformats.org/officeDocument/2006/math" xmlns:a14="http://schemas.microsoft.com/office/drawing/2010/main" type="tx" showMasterSp="1" showMasterPhAnim="1">
+<p:sldLayout xmlns:a="http://schemas.openxmlformats.org/drawingml/2006/main" xmlns:r="http://schemas.openxmlformats.org/officeDocument/2006/relationships" xmlns:p="http://schemas.openxmlformats.org/presentationml/2006/main" type="tx">
   <p:cSld name="빈 페이지">
     <p:spTree>
       <p:nvGrpSpPr>
@@ -1538,7 +1551,9 @@
       <p:sp>
         <p:nvSpPr>
           <p:cNvPr id="142" name="슬라이드 번호"/>
-          <p:cNvSpPr txBox="1"/>
+          <p:cNvSpPr txBox="1">
+            <a:spLocks noGrp="1"/>
+          </p:cNvSpPr>
           <p:nvPr>
             <p:ph type="sldNum" sz="quarter" idx="2"/>
           </p:nvPr>
@@ -1552,8 +1567,10 @@
           <a:bodyPr/>
           <a:lstStyle/>
           <a:p>
-            <a:pPr/>
-            <a:fld id="{86CB4B4D-7CA3-9044-876B-883B54F8677D}" type="slidenum"/>
+            <a:fld id="{86CB4B4D-7CA3-9044-876B-883B54F8677D}" type="slidenum">
+              <a:t>‹#›</a:t>
+            </a:fld>
+            <a:endParaRPr/>
           </a:p>
         </p:txBody>
       </p:sp>
@@ -1562,12 +1579,12 @@
   <p:clrMapOvr>
     <a:masterClrMapping/>
   </p:clrMapOvr>
-  <p:transition xmlns:p14="http://schemas.microsoft.com/office/powerpoint/2010/main" spd="med" advClick="1"/>
+  <p:transition spd="med"/>
 </p:sldLayout>
 </file>
 
 <file path=ppt/slideLayouts/slideLayout2.xml><?xml version="1.0" encoding="utf-8"?>
-<p:sldLayout xmlns:a="http://schemas.openxmlformats.org/drawingml/2006/main" xmlns:r="http://schemas.openxmlformats.org/officeDocument/2006/relationships" xmlns:p="http://schemas.openxmlformats.org/presentationml/2006/main" xmlns:m="http://schemas.openxmlformats.org/officeDocument/2006/math" xmlns:a14="http://schemas.microsoft.com/office/drawing/2010/main" type="tx" showMasterSp="1" showMasterPhAnim="1">
+<p:sldLayout xmlns:a="http://schemas.openxmlformats.org/drawingml/2006/main" xmlns:r="http://schemas.openxmlformats.org/officeDocument/2006/relationships" xmlns:p="http://schemas.openxmlformats.org/presentationml/2006/main" type="tx">
   <p:cSld name="제목 및 사진">
     <p:spTree>
       <p:nvGrpSpPr>
@@ -1586,7 +1603,9 @@
       <p:sp>
         <p:nvSpPr>
           <p:cNvPr id="21" name="666699290_02_crop_3159x1892.jpg"/>
-          <p:cNvSpPr/>
+          <p:cNvSpPr>
+            <a:spLocks noGrp="1"/>
+          </p:cNvSpPr>
           <p:nvPr>
             <p:ph type="pic" idx="21"/>
           </p:nvPr>
@@ -1606,14 +1625,16 @@
           </a:bodyPr>
           <a:lstStyle/>
           <a:p>
-            <a:pPr/>
+            <a:endParaRPr/>
           </a:p>
         </p:txBody>
       </p:sp>
       <p:sp>
         <p:nvSpPr>
           <p:cNvPr id="22" name="프레젠테이션 제목"/>
-          <p:cNvSpPr txBox="1"/>
+          <p:cNvSpPr txBox="1">
+            <a:spLocks noGrp="1"/>
+          </p:cNvSpPr>
           <p:nvPr>
             <p:ph type="title" hasCustomPrompt="1"/>
           </p:nvPr>
@@ -1631,11 +1652,10 @@
           <a:bodyPr anchor="b"/>
           <a:lstStyle>
             <a:lvl1pPr>
-              <a:defRPr spc="-232" sz="11600"/>
+              <a:defRPr sz="11600" spc="-232"/>
             </a:lvl1pPr>
           </a:lstStyle>
           <a:p>
-            <a:pPr/>
             <a:r>
               <a:t>프레젠테이션 제목</a:t>
             </a:r>
@@ -1645,7 +1665,9 @@
       <p:sp>
         <p:nvSpPr>
           <p:cNvPr id="23" name="저자 및 날짜"/>
-          <p:cNvSpPr txBox="1"/>
+          <p:cNvSpPr txBox="1">
+            <a:spLocks noGrp="1"/>
+          </p:cNvSpPr>
           <p:nvPr>
             <p:ph type="body" sz="quarter" idx="22" hasCustomPrompt="1"/>
           </p:nvPr>
@@ -1671,11 +1693,10 @@
               </a:spcBef>
               <a:buSzTx/>
               <a:buNone/>
-              <a:defRPr b="1" sz="3420"/>
+              <a:defRPr sz="3420" b="1"/>
             </a:lvl1pPr>
           </a:lstStyle>
           <a:p>
-            <a:pPr/>
             <a:r>
               <a:t>저자 및 날짜</a:t>
             </a:r>
@@ -1685,7 +1706,9 @@
       <p:sp>
         <p:nvSpPr>
           <p:cNvPr id="24" name="본문 첫 번째 줄…"/>
-          <p:cNvSpPr txBox="1"/>
+          <p:cNvSpPr txBox="1">
+            <a:spLocks noGrp="1"/>
+          </p:cNvSpPr>
           <p:nvPr>
             <p:ph type="body" sz="quarter" idx="1" hasCustomPrompt="1"/>
           </p:nvPr>
@@ -1711,7 +1734,7 @@
               </a:spcBef>
               <a:buSzTx/>
               <a:buNone/>
-              <a:defRPr b="1" sz="5500"/>
+              <a:defRPr sz="5500" b="1"/>
             </a:lvl1pPr>
             <a:lvl2pPr marL="0" indent="457200" defTabSz="825500">
               <a:lnSpc>
@@ -1722,7 +1745,7 @@
               </a:spcBef>
               <a:buSzTx/>
               <a:buNone/>
-              <a:defRPr b="1" sz="5500"/>
+              <a:defRPr sz="5500" b="1"/>
             </a:lvl2pPr>
             <a:lvl3pPr marL="0" indent="914400" defTabSz="825500">
               <a:lnSpc>
@@ -1733,7 +1756,7 @@
               </a:spcBef>
               <a:buSzTx/>
               <a:buNone/>
-              <a:defRPr b="1" sz="5500"/>
+              <a:defRPr sz="5500" b="1"/>
             </a:lvl3pPr>
             <a:lvl4pPr marL="0" indent="1371600" defTabSz="825500">
               <a:lnSpc>
@@ -1744,7 +1767,7 @@
               </a:spcBef>
               <a:buSzTx/>
               <a:buNone/>
-              <a:defRPr b="1" sz="5500"/>
+              <a:defRPr sz="5500" b="1"/>
             </a:lvl4pPr>
             <a:lvl5pPr marL="0" indent="1828800" defTabSz="825500">
               <a:lnSpc>
@@ -1755,45 +1778,38 @@
               </a:spcBef>
               <a:buSzTx/>
               <a:buNone/>
-              <a:defRPr b="1" sz="5500"/>
+              <a:defRPr sz="5500" b="1"/>
             </a:lvl5pPr>
           </a:lstStyle>
           <a:p>
-            <a:pPr/>
             <a:r>
               <a:t>프레젠테이션 부제</a:t>
             </a:r>
           </a:p>
           <a:p>
             <a:pPr lvl="1"/>
-            <a:r>
-              <a:t/>
-            </a:r>
+            <a:endParaRPr/>
           </a:p>
           <a:p>
             <a:pPr lvl="2"/>
-            <a:r>
-              <a:t/>
-            </a:r>
+            <a:endParaRPr/>
           </a:p>
           <a:p>
             <a:pPr lvl="3"/>
-            <a:r>
-              <a:t/>
-            </a:r>
+            <a:endParaRPr/>
           </a:p>
           <a:p>
             <a:pPr lvl="4"/>
-            <a:r>
-              <a:t/>
-            </a:r>
+            <a:endParaRPr/>
           </a:p>
         </p:txBody>
       </p:sp>
       <p:sp>
         <p:nvSpPr>
           <p:cNvPr id="25" name="슬라이드 번호"/>
-          <p:cNvSpPr txBox="1"/>
+          <p:cNvSpPr txBox="1">
+            <a:spLocks noGrp="1"/>
+          </p:cNvSpPr>
           <p:nvPr>
             <p:ph type="sldNum" sz="quarter" idx="2"/>
           </p:nvPr>
@@ -1807,8 +1823,10 @@
           <a:bodyPr/>
           <a:lstStyle/>
           <a:p>
-            <a:pPr/>
-            <a:fld id="{86CB4B4D-7CA3-9044-876B-883B54F8677D}" type="slidenum"/>
+            <a:fld id="{86CB4B4D-7CA3-9044-876B-883B54F8677D}" type="slidenum">
+              <a:t>‹#›</a:t>
+            </a:fld>
+            <a:endParaRPr/>
           </a:p>
         </p:txBody>
       </p:sp>
@@ -1817,12 +1835,12 @@
   <p:clrMapOvr>
     <a:masterClrMapping/>
   </p:clrMapOvr>
-  <p:transition xmlns:p14="http://schemas.microsoft.com/office/powerpoint/2010/main" spd="med" advClick="1"/>
+  <p:transition spd="med"/>
 </p:sldLayout>
 </file>
 
 <file path=ppt/slideLayouts/slideLayout3.xml><?xml version="1.0" encoding="utf-8"?>
-<p:sldLayout xmlns:a="http://schemas.openxmlformats.org/drawingml/2006/main" xmlns:r="http://schemas.openxmlformats.org/officeDocument/2006/relationships" xmlns:p="http://schemas.openxmlformats.org/presentationml/2006/main" xmlns:m="http://schemas.openxmlformats.org/officeDocument/2006/math" xmlns:a14="http://schemas.microsoft.com/office/drawing/2010/main" type="tx" showMasterSp="1" showMasterPhAnim="1">
+<p:sldLayout xmlns:a="http://schemas.openxmlformats.org/drawingml/2006/main" xmlns:r="http://schemas.openxmlformats.org/officeDocument/2006/relationships" xmlns:p="http://schemas.openxmlformats.org/presentationml/2006/main" type="tx">
   <p:cSld name="제목 및 사진 대체">
     <p:spTree>
       <p:nvGrpSpPr>
@@ -1841,7 +1859,9 @@
       <p:sp>
         <p:nvSpPr>
           <p:cNvPr id="32" name="910457886_1434x1669.jpg"/>
-          <p:cNvSpPr/>
+          <p:cNvSpPr>
+            <a:spLocks noGrp="1"/>
+          </p:cNvSpPr>
           <p:nvPr>
             <p:ph type="pic" idx="21"/>
           </p:nvPr>
@@ -1861,14 +1881,16 @@
           </a:bodyPr>
           <a:lstStyle/>
           <a:p>
-            <a:pPr/>
+            <a:endParaRPr/>
           </a:p>
         </p:txBody>
       </p:sp>
       <p:sp>
         <p:nvSpPr>
           <p:cNvPr id="33" name="슬라이드 제목"/>
-          <p:cNvSpPr txBox="1"/>
+          <p:cNvSpPr txBox="1">
+            <a:spLocks noGrp="1"/>
+          </p:cNvSpPr>
           <p:nvPr>
             <p:ph type="title" hasCustomPrompt="1"/>
           </p:nvPr>
@@ -1886,7 +1908,6 @@
           <a:bodyPr anchor="b"/>
           <a:lstStyle/>
           <a:p>
-            <a:pPr/>
             <a:r>
               <a:t>슬라이드 제목</a:t>
             </a:r>
@@ -1896,7 +1917,9 @@
       <p:sp>
         <p:nvSpPr>
           <p:cNvPr id="34" name="본문 첫 번째 줄…"/>
-          <p:cNvSpPr txBox="1"/>
+          <p:cNvSpPr txBox="1">
+            <a:spLocks noGrp="1"/>
+          </p:cNvSpPr>
           <p:nvPr>
             <p:ph type="body" sz="quarter" idx="1" hasCustomPrompt="1"/>
           </p:nvPr>
@@ -1922,7 +1945,7 @@
               </a:spcBef>
               <a:buSzTx/>
               <a:buNone/>
-              <a:defRPr b="1" sz="5500"/>
+              <a:defRPr sz="5500" b="1"/>
             </a:lvl1pPr>
             <a:lvl2pPr marL="0" indent="457200" defTabSz="825500">
               <a:lnSpc>
@@ -1933,7 +1956,7 @@
               </a:spcBef>
               <a:buSzTx/>
               <a:buNone/>
-              <a:defRPr b="1" sz="5500"/>
+              <a:defRPr sz="5500" b="1"/>
             </a:lvl2pPr>
             <a:lvl3pPr marL="0" indent="914400" defTabSz="825500">
               <a:lnSpc>
@@ -1944,7 +1967,7 @@
               </a:spcBef>
               <a:buSzTx/>
               <a:buNone/>
-              <a:defRPr b="1" sz="5500"/>
+              <a:defRPr sz="5500" b="1"/>
             </a:lvl3pPr>
             <a:lvl4pPr marL="0" indent="1371600" defTabSz="825500">
               <a:lnSpc>
@@ -1955,7 +1978,7 @@
               </a:spcBef>
               <a:buSzTx/>
               <a:buNone/>
-              <a:defRPr b="1" sz="5500"/>
+              <a:defRPr sz="5500" b="1"/>
             </a:lvl4pPr>
             <a:lvl5pPr marL="0" indent="1828800" defTabSz="825500">
               <a:lnSpc>
@@ -1966,45 +1989,38 @@
               </a:spcBef>
               <a:buSzTx/>
               <a:buNone/>
-              <a:defRPr b="1" sz="5500"/>
+              <a:defRPr sz="5500" b="1"/>
             </a:lvl5pPr>
           </a:lstStyle>
           <a:p>
-            <a:pPr/>
             <a:r>
               <a:t>슬라이드 부제</a:t>
             </a:r>
           </a:p>
           <a:p>
             <a:pPr lvl="1"/>
-            <a:r>
-              <a:t/>
-            </a:r>
+            <a:endParaRPr/>
           </a:p>
           <a:p>
             <a:pPr lvl="2"/>
-            <a:r>
-              <a:t/>
-            </a:r>
+            <a:endParaRPr/>
           </a:p>
           <a:p>
             <a:pPr lvl="3"/>
-            <a:r>
-              <a:t/>
-            </a:r>
+            <a:endParaRPr/>
           </a:p>
           <a:p>
             <a:pPr lvl="4"/>
-            <a:r>
-              <a:t/>
-            </a:r>
+            <a:endParaRPr/>
           </a:p>
         </p:txBody>
       </p:sp>
       <p:sp>
         <p:nvSpPr>
           <p:cNvPr id="35" name="슬라이드 번호"/>
-          <p:cNvSpPr txBox="1"/>
+          <p:cNvSpPr txBox="1">
+            <a:spLocks noGrp="1"/>
+          </p:cNvSpPr>
           <p:nvPr>
             <p:ph type="sldNum" sz="quarter" idx="2"/>
           </p:nvPr>
@@ -2022,8 +2038,10 @@
           <a:bodyPr/>
           <a:lstStyle/>
           <a:p>
-            <a:pPr/>
-            <a:fld id="{86CB4B4D-7CA3-9044-876B-883B54F8677D}" type="slidenum"/>
+            <a:fld id="{86CB4B4D-7CA3-9044-876B-883B54F8677D}" type="slidenum">
+              <a:t>‹#›</a:t>
+            </a:fld>
+            <a:endParaRPr/>
           </a:p>
         </p:txBody>
       </p:sp>
@@ -2032,12 +2050,12 @@
   <p:clrMapOvr>
     <a:masterClrMapping/>
   </p:clrMapOvr>
-  <p:transition xmlns:p14="http://schemas.microsoft.com/office/powerpoint/2010/main" spd="med" advClick="1"/>
+  <p:transition spd="med"/>
 </p:sldLayout>
 </file>
 
 <file path=ppt/slideLayouts/slideLayout4.xml><?xml version="1.0" encoding="utf-8"?>
-<p:sldLayout xmlns:a="http://schemas.openxmlformats.org/drawingml/2006/main" xmlns:r="http://schemas.openxmlformats.org/officeDocument/2006/relationships" xmlns:p="http://schemas.openxmlformats.org/presentationml/2006/main" xmlns:m="http://schemas.openxmlformats.org/officeDocument/2006/math" xmlns:a14="http://schemas.microsoft.com/office/drawing/2010/main" type="tx" showMasterSp="1" showMasterPhAnim="1">
+<p:sldLayout xmlns:a="http://schemas.openxmlformats.org/drawingml/2006/main" xmlns:r="http://schemas.openxmlformats.org/officeDocument/2006/relationships" xmlns:p="http://schemas.openxmlformats.org/presentationml/2006/main" type="tx">
   <p:cSld name="제목 및 구분점">
     <p:spTree>
       <p:nvGrpSpPr>
@@ -2056,7 +2074,9 @@
       <p:sp>
         <p:nvSpPr>
           <p:cNvPr id="42" name="슬라이드 제목"/>
-          <p:cNvSpPr txBox="1"/>
+          <p:cNvSpPr txBox="1">
+            <a:spLocks noGrp="1"/>
+          </p:cNvSpPr>
           <p:nvPr>
             <p:ph type="title" hasCustomPrompt="1"/>
           </p:nvPr>
@@ -2070,7 +2090,6 @@
           <a:bodyPr/>
           <a:lstStyle/>
           <a:p>
-            <a:pPr/>
             <a:r>
               <a:t>슬라이드 제목</a:t>
             </a:r>
@@ -2080,7 +2099,9 @@
       <p:sp>
         <p:nvSpPr>
           <p:cNvPr id="43" name="슬라이드 부제"/>
-          <p:cNvSpPr txBox="1"/>
+          <p:cNvSpPr txBox="1">
+            <a:spLocks noGrp="1"/>
+          </p:cNvSpPr>
           <p:nvPr>
             <p:ph type="body" sz="quarter" idx="21" hasCustomPrompt="1"/>
           </p:nvPr>
@@ -2106,11 +2127,10 @@
               </a:spcBef>
               <a:buSzTx/>
               <a:buNone/>
-              <a:defRPr b="1" sz="5280"/>
+              <a:defRPr sz="5280" b="1"/>
             </a:lvl1pPr>
           </a:lstStyle>
           <a:p>
-            <a:pPr/>
             <a:r>
               <a:t>슬라이드 부제</a:t>
             </a:r>
@@ -2120,7 +2140,9 @@
       <p:sp>
         <p:nvSpPr>
           <p:cNvPr id="44" name="본문 첫 번째 줄…"/>
-          <p:cNvSpPr txBox="1"/>
+          <p:cNvSpPr txBox="1">
+            <a:spLocks noGrp="1"/>
+          </p:cNvSpPr>
           <p:nvPr>
             <p:ph type="body" idx="1" hasCustomPrompt="1"/>
           </p:nvPr>
@@ -2134,41 +2156,34 @@
           <a:bodyPr/>
           <a:lstStyle/>
           <a:p>
-            <a:pPr/>
             <a:r>
               <a:t>슬라이드 구분점 텍스트</a:t>
             </a:r>
           </a:p>
           <a:p>
             <a:pPr lvl="1"/>
-            <a:r>
-              <a:t/>
-            </a:r>
+            <a:endParaRPr/>
           </a:p>
           <a:p>
             <a:pPr lvl="2"/>
-            <a:r>
-              <a:t/>
-            </a:r>
+            <a:endParaRPr/>
           </a:p>
           <a:p>
             <a:pPr lvl="3"/>
-            <a:r>
-              <a:t/>
-            </a:r>
+            <a:endParaRPr/>
           </a:p>
           <a:p>
             <a:pPr lvl="4"/>
-            <a:r>
-              <a:t/>
-            </a:r>
+            <a:endParaRPr/>
           </a:p>
         </p:txBody>
       </p:sp>
       <p:sp>
         <p:nvSpPr>
           <p:cNvPr id="45" name="슬라이드 번호"/>
-          <p:cNvSpPr txBox="1"/>
+          <p:cNvSpPr txBox="1">
+            <a:spLocks noGrp="1"/>
+          </p:cNvSpPr>
           <p:nvPr>
             <p:ph type="sldNum" sz="quarter" idx="2"/>
           </p:nvPr>
@@ -2182,8 +2197,10 @@
           <a:bodyPr/>
           <a:lstStyle/>
           <a:p>
-            <a:pPr/>
-            <a:fld id="{86CB4B4D-7CA3-9044-876B-883B54F8677D}" type="slidenum"/>
+            <a:fld id="{86CB4B4D-7CA3-9044-876B-883B54F8677D}" type="slidenum">
+              <a:t>‹#›</a:t>
+            </a:fld>
+            <a:endParaRPr/>
           </a:p>
         </p:txBody>
       </p:sp>
@@ -2192,12 +2209,12 @@
   <p:clrMapOvr>
     <a:masterClrMapping/>
   </p:clrMapOvr>
-  <p:transition xmlns:p14="http://schemas.microsoft.com/office/powerpoint/2010/main" spd="med" advClick="1"/>
+  <p:transition spd="med"/>
 </p:sldLayout>
 </file>
 
 <file path=ppt/slideLayouts/slideLayout5.xml><?xml version="1.0" encoding="utf-8"?>
-<p:sldLayout xmlns:a="http://schemas.openxmlformats.org/drawingml/2006/main" xmlns:r="http://schemas.openxmlformats.org/officeDocument/2006/relationships" xmlns:p="http://schemas.openxmlformats.org/presentationml/2006/main" xmlns:m="http://schemas.openxmlformats.org/officeDocument/2006/math" xmlns:a14="http://schemas.microsoft.com/office/drawing/2010/main" type="tx" showMasterSp="1" showMasterPhAnim="1">
+<p:sldLayout xmlns:a="http://schemas.openxmlformats.org/drawingml/2006/main" xmlns:r="http://schemas.openxmlformats.org/officeDocument/2006/relationships" xmlns:p="http://schemas.openxmlformats.org/presentationml/2006/main" type="tx">
   <p:cSld name="구분점">
     <p:spTree>
       <p:nvGrpSpPr>
@@ -2216,7 +2233,9 @@
       <p:sp>
         <p:nvSpPr>
           <p:cNvPr id="52" name="본문 첫 번째 줄…"/>
-          <p:cNvSpPr txBox="1"/>
+          <p:cNvSpPr txBox="1">
+            <a:spLocks noGrp="1"/>
+          </p:cNvSpPr>
           <p:nvPr>
             <p:ph type="body" idx="1" hasCustomPrompt="1"/>
           </p:nvPr>
@@ -2230,41 +2249,34 @@
           <a:bodyPr numCol="2" spcCol="1098550"/>
           <a:lstStyle/>
           <a:p>
-            <a:pPr/>
             <a:r>
               <a:t>슬라이드 구분점 텍스트</a:t>
             </a:r>
           </a:p>
           <a:p>
             <a:pPr lvl="1"/>
-            <a:r>
-              <a:t/>
-            </a:r>
+            <a:endParaRPr/>
           </a:p>
           <a:p>
             <a:pPr lvl="2"/>
-            <a:r>
-              <a:t/>
-            </a:r>
+            <a:endParaRPr/>
           </a:p>
           <a:p>
             <a:pPr lvl="3"/>
-            <a:r>
-              <a:t/>
-            </a:r>
+            <a:endParaRPr/>
           </a:p>
           <a:p>
             <a:pPr lvl="4"/>
-            <a:r>
-              <a:t/>
-            </a:r>
+            <a:endParaRPr/>
           </a:p>
         </p:txBody>
       </p:sp>
       <p:sp>
         <p:nvSpPr>
           <p:cNvPr id="53" name="슬라이드 번호"/>
-          <p:cNvSpPr txBox="1"/>
+          <p:cNvSpPr txBox="1">
+            <a:spLocks noGrp="1"/>
+          </p:cNvSpPr>
           <p:nvPr>
             <p:ph type="sldNum" sz="quarter" idx="2"/>
           </p:nvPr>
@@ -2278,8 +2290,10 @@
           <a:bodyPr/>
           <a:lstStyle/>
           <a:p>
-            <a:pPr/>
-            <a:fld id="{86CB4B4D-7CA3-9044-876B-883B54F8677D}" type="slidenum"/>
+            <a:fld id="{86CB4B4D-7CA3-9044-876B-883B54F8677D}" type="slidenum">
+              <a:t>‹#›</a:t>
+            </a:fld>
+            <a:endParaRPr/>
           </a:p>
         </p:txBody>
       </p:sp>
@@ -2288,12 +2302,12 @@
   <p:clrMapOvr>
     <a:masterClrMapping/>
   </p:clrMapOvr>
-  <p:transition xmlns:p14="http://schemas.microsoft.com/office/powerpoint/2010/main" spd="med" advClick="1"/>
+  <p:transition spd="med"/>
 </p:sldLayout>
 </file>
 
 <file path=ppt/slideLayouts/slideLayout6.xml><?xml version="1.0" encoding="utf-8"?>
-<p:sldLayout xmlns:a="http://schemas.openxmlformats.org/drawingml/2006/main" xmlns:r="http://schemas.openxmlformats.org/officeDocument/2006/relationships" xmlns:p="http://schemas.openxmlformats.org/presentationml/2006/main" xmlns:m="http://schemas.openxmlformats.org/officeDocument/2006/math" xmlns:a14="http://schemas.microsoft.com/office/drawing/2010/main" type="tx" showMasterSp="1" showMasterPhAnim="1">
+<p:sldLayout xmlns:a="http://schemas.openxmlformats.org/drawingml/2006/main" xmlns:r="http://schemas.openxmlformats.org/officeDocument/2006/relationships" xmlns:p="http://schemas.openxmlformats.org/presentationml/2006/main" type="tx">
   <p:cSld name="제목, 구분점 및 사진">
     <p:spTree>
       <p:nvGrpSpPr>
@@ -2312,7 +2326,9 @@
       <p:sp>
         <p:nvSpPr>
           <p:cNvPr id="60" name="슬라이드 부제"/>
-          <p:cNvSpPr txBox="1"/>
+          <p:cNvSpPr txBox="1">
+            <a:spLocks noGrp="1"/>
+          </p:cNvSpPr>
           <p:nvPr>
             <p:ph type="body" sz="quarter" idx="21" hasCustomPrompt="1"/>
           </p:nvPr>
@@ -2338,11 +2354,10 @@
               </a:spcBef>
               <a:buSzTx/>
               <a:buNone/>
-              <a:defRPr b="1" sz="5280"/>
+              <a:defRPr sz="5280" b="1"/>
             </a:lvl1pPr>
           </a:lstStyle>
           <a:p>
-            <a:pPr/>
             <a:r>
               <a:t>슬라이드 부제</a:t>
             </a:r>
@@ -2352,7 +2367,9 @@
       <p:sp>
         <p:nvSpPr>
           <p:cNvPr id="61" name="본문 첫 번째 줄…"/>
-          <p:cNvSpPr txBox="1"/>
+          <p:cNvSpPr txBox="1">
+            <a:spLocks noGrp="1"/>
+          </p:cNvSpPr>
           <p:nvPr>
             <p:ph type="body" sz="half" idx="1" hasCustomPrompt="1"/>
           </p:nvPr>
@@ -2370,41 +2387,34 @@
           <a:bodyPr/>
           <a:lstStyle/>
           <a:p>
-            <a:pPr/>
             <a:r>
               <a:t>슬라이드 구분점 텍스트</a:t>
             </a:r>
           </a:p>
           <a:p>
             <a:pPr lvl="1"/>
-            <a:r>
-              <a:t/>
-            </a:r>
+            <a:endParaRPr/>
           </a:p>
           <a:p>
             <a:pPr lvl="2"/>
-            <a:r>
-              <a:t/>
-            </a:r>
+            <a:endParaRPr/>
           </a:p>
           <a:p>
             <a:pPr lvl="3"/>
-            <a:r>
-              <a:t/>
-            </a:r>
+            <a:endParaRPr/>
           </a:p>
           <a:p>
             <a:pPr lvl="4"/>
-            <a:r>
-              <a:t/>
-            </a:r>
+            <a:endParaRPr/>
           </a:p>
         </p:txBody>
       </p:sp>
       <p:sp>
         <p:nvSpPr>
           <p:cNvPr id="62" name="660384004_1290x1720.jpg"/>
-          <p:cNvSpPr/>
+          <p:cNvSpPr>
+            <a:spLocks noGrp="1"/>
+          </p:cNvSpPr>
           <p:nvPr>
             <p:ph type="pic" idx="22"/>
           </p:nvPr>
@@ -2424,14 +2434,16 @@
           </a:bodyPr>
           <a:lstStyle/>
           <a:p>
-            <a:pPr/>
+            <a:endParaRPr/>
           </a:p>
         </p:txBody>
       </p:sp>
       <p:sp>
         <p:nvSpPr>
           <p:cNvPr id="63" name="슬라이드 제목"/>
-          <p:cNvSpPr txBox="1"/>
+          <p:cNvSpPr txBox="1">
+            <a:spLocks noGrp="1"/>
+          </p:cNvSpPr>
           <p:nvPr>
             <p:ph type="title" hasCustomPrompt="1"/>
           </p:nvPr>
@@ -2449,7 +2461,6 @@
           <a:bodyPr/>
           <a:lstStyle/>
           <a:p>
-            <a:pPr/>
             <a:r>
               <a:t>슬라이드 제목</a:t>
             </a:r>
@@ -2459,7 +2470,9 @@
       <p:sp>
         <p:nvSpPr>
           <p:cNvPr id="64" name="슬라이드 번호"/>
-          <p:cNvSpPr txBox="1"/>
+          <p:cNvSpPr txBox="1">
+            <a:spLocks noGrp="1"/>
+          </p:cNvSpPr>
           <p:nvPr>
             <p:ph type="sldNum" sz="quarter" idx="2"/>
           </p:nvPr>
@@ -2473,8 +2486,10 @@
           <a:bodyPr/>
           <a:lstStyle/>
           <a:p>
-            <a:pPr/>
-            <a:fld id="{86CB4B4D-7CA3-9044-876B-883B54F8677D}" type="slidenum"/>
+            <a:fld id="{86CB4B4D-7CA3-9044-876B-883B54F8677D}" type="slidenum">
+              <a:t>‹#›</a:t>
+            </a:fld>
+            <a:endParaRPr/>
           </a:p>
         </p:txBody>
       </p:sp>
@@ -2483,12 +2498,12 @@
   <p:clrMapOvr>
     <a:masterClrMapping/>
   </p:clrMapOvr>
-  <p:transition xmlns:p14="http://schemas.microsoft.com/office/powerpoint/2010/main" spd="med" advClick="1"/>
+  <p:transition spd="med"/>
 </p:sldLayout>
 </file>
 
 <file path=ppt/slideLayouts/slideLayout7.xml><?xml version="1.0" encoding="utf-8"?>
-<p:sldLayout xmlns:a="http://schemas.openxmlformats.org/drawingml/2006/main" xmlns:r="http://schemas.openxmlformats.org/officeDocument/2006/relationships" xmlns:p="http://schemas.openxmlformats.org/presentationml/2006/main" xmlns:m="http://schemas.openxmlformats.org/officeDocument/2006/math" xmlns:a14="http://schemas.microsoft.com/office/drawing/2010/main" type="tx" showMasterSp="1" showMasterPhAnim="1">
+<p:sldLayout xmlns:a="http://schemas.openxmlformats.org/drawingml/2006/main" xmlns:r="http://schemas.openxmlformats.org/officeDocument/2006/relationships" xmlns:p="http://schemas.openxmlformats.org/presentationml/2006/main" type="tx">
   <p:cSld name="섹션">
     <p:spTree>
       <p:nvGrpSpPr>
@@ -2507,7 +2522,9 @@
       <p:sp>
         <p:nvSpPr>
           <p:cNvPr id="71" name="섹션 제목"/>
-          <p:cNvSpPr txBox="1"/>
+          <p:cNvSpPr txBox="1">
+            <a:spLocks noGrp="1"/>
+          </p:cNvSpPr>
           <p:nvPr>
             <p:ph type="title" hasCustomPrompt="1"/>
           </p:nvPr>
@@ -2525,7 +2542,7 @@
           <a:bodyPr anchor="ctr"/>
           <a:lstStyle>
             <a:lvl1pPr>
-              <a:defRPr b="0" spc="-232" sz="11600">
+              <a:defRPr sz="11600" b="0" spc="-232">
                 <a:latin typeface="Helvetica Neue Medium"/>
                 <a:ea typeface="Helvetica Neue Medium"/>
                 <a:cs typeface="Helvetica Neue Medium"/>
@@ -2534,7 +2551,6 @@
             </a:lvl1pPr>
           </a:lstStyle>
           <a:p>
-            <a:pPr/>
             <a:r>
               <a:t>섹션 제목</a:t>
             </a:r>
@@ -2544,7 +2560,9 @@
       <p:sp>
         <p:nvSpPr>
           <p:cNvPr id="72" name="슬라이드 번호"/>
-          <p:cNvSpPr txBox="1"/>
+          <p:cNvSpPr txBox="1">
+            <a:spLocks noGrp="1"/>
+          </p:cNvSpPr>
           <p:nvPr>
             <p:ph type="sldNum" sz="quarter" idx="2"/>
           </p:nvPr>
@@ -2562,8 +2580,10 @@
           <a:bodyPr/>
           <a:lstStyle/>
           <a:p>
-            <a:pPr/>
-            <a:fld id="{86CB4B4D-7CA3-9044-876B-883B54F8677D}" type="slidenum"/>
+            <a:fld id="{86CB4B4D-7CA3-9044-876B-883B54F8677D}" type="slidenum">
+              <a:t>‹#›</a:t>
+            </a:fld>
+            <a:endParaRPr/>
           </a:p>
         </p:txBody>
       </p:sp>
@@ -2572,12 +2592,12 @@
   <p:clrMapOvr>
     <a:masterClrMapping/>
   </p:clrMapOvr>
-  <p:transition xmlns:p14="http://schemas.microsoft.com/office/powerpoint/2010/main" spd="med" advClick="1"/>
+  <p:transition spd="med"/>
 </p:sldLayout>
 </file>
 
 <file path=ppt/slideLayouts/slideLayout8.xml><?xml version="1.0" encoding="utf-8"?>
-<p:sldLayout xmlns:a="http://schemas.openxmlformats.org/drawingml/2006/main" xmlns:r="http://schemas.openxmlformats.org/officeDocument/2006/relationships" xmlns:p="http://schemas.openxmlformats.org/presentationml/2006/main" xmlns:m="http://schemas.openxmlformats.org/officeDocument/2006/math" xmlns:a14="http://schemas.microsoft.com/office/drawing/2010/main" type="tx" showMasterSp="1" showMasterPhAnim="1">
+<p:sldLayout xmlns:a="http://schemas.openxmlformats.org/drawingml/2006/main" xmlns:r="http://schemas.openxmlformats.org/officeDocument/2006/relationships" xmlns:p="http://schemas.openxmlformats.org/presentationml/2006/main" type="tx">
   <p:cSld name="제목 전용">
     <p:spTree>
       <p:nvGrpSpPr>
@@ -2596,7 +2616,9 @@
       <p:sp>
         <p:nvSpPr>
           <p:cNvPr id="79" name="슬라이드 제목"/>
-          <p:cNvSpPr txBox="1"/>
+          <p:cNvSpPr txBox="1">
+            <a:spLocks noGrp="1"/>
+          </p:cNvSpPr>
           <p:nvPr>
             <p:ph type="title" hasCustomPrompt="1"/>
           </p:nvPr>
@@ -2614,7 +2636,6 @@
           <a:bodyPr/>
           <a:lstStyle/>
           <a:p>
-            <a:pPr/>
             <a:r>
               <a:t>슬라이드 제목</a:t>
             </a:r>
@@ -2624,7 +2645,9 @@
       <p:sp>
         <p:nvSpPr>
           <p:cNvPr id="80" name="슬라이드 부제"/>
-          <p:cNvSpPr txBox="1"/>
+          <p:cNvSpPr txBox="1">
+            <a:spLocks noGrp="1"/>
+          </p:cNvSpPr>
           <p:nvPr>
             <p:ph type="body" sz="quarter" idx="21" hasCustomPrompt="1"/>
           </p:nvPr>
@@ -2650,11 +2673,10 @@
               </a:spcBef>
               <a:buSzTx/>
               <a:buNone/>
-              <a:defRPr b="1" sz="5280"/>
+              <a:defRPr sz="5280" b="1"/>
             </a:lvl1pPr>
           </a:lstStyle>
           <a:p>
-            <a:pPr/>
             <a:r>
               <a:t>슬라이드 부제</a:t>
             </a:r>
@@ -2664,7 +2686,9 @@
       <p:sp>
         <p:nvSpPr>
           <p:cNvPr id="81" name="슬라이드 번호"/>
-          <p:cNvSpPr txBox="1"/>
+          <p:cNvSpPr txBox="1">
+            <a:spLocks noGrp="1"/>
+          </p:cNvSpPr>
           <p:nvPr>
             <p:ph type="sldNum" sz="quarter" idx="2"/>
           </p:nvPr>
@@ -2678,8 +2702,10 @@
           <a:bodyPr/>
           <a:lstStyle/>
           <a:p>
-            <a:pPr/>
-            <a:fld id="{86CB4B4D-7CA3-9044-876B-883B54F8677D}" type="slidenum"/>
+            <a:fld id="{86CB4B4D-7CA3-9044-876B-883B54F8677D}" type="slidenum">
+              <a:t>‹#›</a:t>
+            </a:fld>
+            <a:endParaRPr/>
           </a:p>
         </p:txBody>
       </p:sp>
@@ -2688,12 +2714,12 @@
   <p:clrMapOvr>
     <a:masterClrMapping/>
   </p:clrMapOvr>
-  <p:transition xmlns:p14="http://schemas.microsoft.com/office/powerpoint/2010/main" spd="med" advClick="1"/>
+  <p:transition spd="med"/>
 </p:sldLayout>
 </file>
 
 <file path=ppt/slideLayouts/slideLayout9.xml><?xml version="1.0" encoding="utf-8"?>
-<p:sldLayout xmlns:a="http://schemas.openxmlformats.org/drawingml/2006/main" xmlns:r="http://schemas.openxmlformats.org/officeDocument/2006/relationships" xmlns:p="http://schemas.openxmlformats.org/presentationml/2006/main" xmlns:m="http://schemas.openxmlformats.org/officeDocument/2006/math" xmlns:a14="http://schemas.microsoft.com/office/drawing/2010/main" type="tx" showMasterSp="1" showMasterPhAnim="1">
+<p:sldLayout xmlns:a="http://schemas.openxmlformats.org/drawingml/2006/main" xmlns:r="http://schemas.openxmlformats.org/officeDocument/2006/relationships" xmlns:p="http://schemas.openxmlformats.org/presentationml/2006/main" type="tx">
   <p:cSld name="의제">
     <p:spTree>
       <p:nvGrpSpPr>
@@ -2712,7 +2738,9 @@
       <p:sp>
         <p:nvSpPr>
           <p:cNvPr id="88" name="의제 제목"/>
-          <p:cNvSpPr txBox="1"/>
+          <p:cNvSpPr txBox="1">
+            <a:spLocks noGrp="1"/>
+          </p:cNvSpPr>
           <p:nvPr>
             <p:ph type="title" hasCustomPrompt="1"/>
           </p:nvPr>
@@ -2730,7 +2758,6 @@
           <a:bodyPr/>
           <a:lstStyle/>
           <a:p>
-            <a:pPr/>
             <a:r>
               <a:t>의제 제목</a:t>
             </a:r>
@@ -2740,7 +2767,9 @@
       <p:sp>
         <p:nvSpPr>
           <p:cNvPr id="89" name="의제 부제"/>
-          <p:cNvSpPr txBox="1"/>
+          <p:cNvSpPr txBox="1">
+            <a:spLocks noGrp="1"/>
+          </p:cNvSpPr>
           <p:nvPr>
             <p:ph type="body" sz="quarter" idx="21" hasCustomPrompt="1"/>
           </p:nvPr>
@@ -2766,11 +2795,10 @@
               </a:spcBef>
               <a:buSzTx/>
               <a:buNone/>
-              <a:defRPr b="1" sz="5280"/>
+              <a:defRPr sz="5280" b="1"/>
             </a:lvl1pPr>
           </a:lstStyle>
           <a:p>
-            <a:pPr/>
             <a:r>
               <a:t>의제 부제</a:t>
             </a:r>
@@ -2780,7 +2808,9 @@
       <p:sp>
         <p:nvSpPr>
           <p:cNvPr id="90" name="본문 첫 번째 줄…"/>
-          <p:cNvSpPr txBox="1"/>
+          <p:cNvSpPr txBox="1">
+            <a:spLocks noGrp="1"/>
+          </p:cNvSpPr>
           <p:nvPr>
             <p:ph type="body" idx="1" hasCustomPrompt="1"/>
           </p:nvPr>
@@ -2802,7 +2832,7 @@
               </a:spcBef>
               <a:buSzTx/>
               <a:buNone/>
-              <a:defRPr spc="-55" sz="5500"/>
+              <a:defRPr sz="5500" spc="-55"/>
             </a:lvl1pPr>
             <a:lvl2pPr marL="0" indent="457200" defTabSz="825500">
               <a:lnSpc>
@@ -2813,7 +2843,7 @@
               </a:spcBef>
               <a:buSzTx/>
               <a:buNone/>
-              <a:defRPr spc="-55" sz="5500"/>
+              <a:defRPr sz="5500" spc="-55"/>
             </a:lvl2pPr>
             <a:lvl3pPr marL="0" indent="914400" defTabSz="825500">
               <a:lnSpc>
@@ -2824,7 +2854,7 @@
               </a:spcBef>
               <a:buSzTx/>
               <a:buNone/>
-              <a:defRPr spc="-55" sz="5500"/>
+              <a:defRPr sz="5500" spc="-55"/>
             </a:lvl3pPr>
             <a:lvl4pPr marL="0" indent="1371600" defTabSz="825500">
               <a:lnSpc>
@@ -2835,7 +2865,7 @@
               </a:spcBef>
               <a:buSzTx/>
               <a:buNone/>
-              <a:defRPr spc="-55" sz="5500"/>
+              <a:defRPr sz="5500" spc="-55"/>
             </a:lvl4pPr>
             <a:lvl5pPr marL="0" indent="1828800" defTabSz="825500">
               <a:lnSpc>
@@ -2846,45 +2876,38 @@
               </a:spcBef>
               <a:buSzTx/>
               <a:buNone/>
-              <a:defRPr spc="-55" sz="5500"/>
+              <a:defRPr sz="5500" spc="-55"/>
             </a:lvl5pPr>
           </a:lstStyle>
           <a:p>
-            <a:pPr/>
             <a:r>
               <a:t>의제 주제</a:t>
             </a:r>
           </a:p>
           <a:p>
             <a:pPr lvl="1"/>
-            <a:r>
-              <a:t/>
-            </a:r>
+            <a:endParaRPr/>
           </a:p>
           <a:p>
             <a:pPr lvl="2"/>
-            <a:r>
-              <a:t/>
-            </a:r>
+            <a:endParaRPr/>
           </a:p>
           <a:p>
             <a:pPr lvl="3"/>
-            <a:r>
-              <a:t/>
-            </a:r>
+            <a:endParaRPr/>
           </a:p>
           <a:p>
             <a:pPr lvl="4"/>
-            <a:r>
-              <a:t/>
-            </a:r>
+            <a:endParaRPr/>
           </a:p>
         </p:txBody>
       </p:sp>
       <p:sp>
         <p:nvSpPr>
           <p:cNvPr id="91" name="슬라이드 번호"/>
-          <p:cNvSpPr txBox="1"/>
+          <p:cNvSpPr txBox="1">
+            <a:spLocks noGrp="1"/>
+          </p:cNvSpPr>
           <p:nvPr>
             <p:ph type="sldNum" sz="quarter" idx="2"/>
           </p:nvPr>
@@ -2898,8 +2921,10 @@
           <a:bodyPr/>
           <a:lstStyle/>
           <a:p>
-            <a:pPr/>
-            <a:fld id="{86CB4B4D-7CA3-9044-876B-883B54F8677D}" type="slidenum"/>
+            <a:fld id="{86CB4B4D-7CA3-9044-876B-883B54F8677D}" type="slidenum">
+              <a:t>‹#›</a:t>
+            </a:fld>
+            <a:endParaRPr/>
           </a:p>
         </p:txBody>
       </p:sp>
@@ -2908,18 +2933,19 @@
   <p:clrMapOvr>
     <a:masterClrMapping/>
   </p:clrMapOvr>
-  <p:transition xmlns:p14="http://schemas.microsoft.com/office/powerpoint/2010/main" spd="med" advClick="1"/>
+  <p:transition spd="med"/>
 </p:sldLayout>
 </file>
 
 <file path=ppt/slideMasters/slideMaster1.xml><?xml version="1.0" encoding="utf-8"?>
-<p:sldMaster xmlns:a="http://schemas.openxmlformats.org/drawingml/2006/main" xmlns:r="http://schemas.openxmlformats.org/officeDocument/2006/relationships" xmlns:p="http://schemas.openxmlformats.org/presentationml/2006/main" xmlns:m="http://schemas.openxmlformats.org/officeDocument/2006/math" xmlns:a14="http://schemas.microsoft.com/office/drawing/2010/main">
+<p:sldMaster xmlns:a="http://schemas.openxmlformats.org/drawingml/2006/main" xmlns:r="http://schemas.openxmlformats.org/officeDocument/2006/relationships" xmlns:p="http://schemas.openxmlformats.org/presentationml/2006/main">
   <p:cSld>
     <p:bg>
       <p:bgPr>
         <a:solidFill>
           <a:srgbClr val="FFFFFF"/>
         </a:solidFill>
+        <a:effectLst/>
       </p:bgPr>
     </p:bg>
     <p:spTree>
@@ -2939,7 +2965,9 @@
       <p:sp>
         <p:nvSpPr>
           <p:cNvPr id="2" name="슬라이드 제목"/>
-          <p:cNvSpPr txBox="1"/>
+          <p:cNvSpPr txBox="1">
+            <a:spLocks noGrp="1"/>
+          </p:cNvSpPr>
           <p:nvPr>
             <p:ph type="title" hasCustomPrompt="1"/>
           </p:nvPr>
@@ -2957,17 +2985,16 @@
           </a:ln>
           <a:extLst>
             <a:ext uri="{C572A759-6A51-4108-AA02-DFA0A04FC94B}">
-              <ma14:wrappingTextBoxFlag xmlns:ma14="http://schemas.microsoft.com/office/mac/drawingml/2011/main" val="1"/>
+              <ma14:wrappingTextBoxFlag xmlns:ma14="http://schemas.microsoft.com/office/mac/drawingml/2011/main" xmlns:a14="http://schemas.microsoft.com/office/drawing/2010/main" xmlns:m="http://schemas.openxmlformats.org/officeDocument/2006/math" xmlns="" val="1"/>
             </a:ext>
           </a:extLst>
         </p:spPr>
         <p:txBody>
           <a:bodyPr lIns="50800" tIns="50800" rIns="50800" bIns="50800">
-            <a:normAutofit fontScale="100000" lnSpcReduction="0"/>
+            <a:normAutofit/>
           </a:bodyPr>
           <a:lstStyle/>
           <a:p>
-            <a:pPr/>
             <a:r>
               <a:t>슬라이드 제목</a:t>
             </a:r>
@@ -2977,7 +3004,9 @@
       <p:sp>
         <p:nvSpPr>
           <p:cNvPr id="3" name="본문 첫 번째 줄…"/>
-          <p:cNvSpPr txBox="1"/>
+          <p:cNvSpPr txBox="1">
+            <a:spLocks noGrp="1"/>
+          </p:cNvSpPr>
           <p:nvPr>
             <p:ph type="body" idx="1" hasCustomPrompt="1"/>
           </p:nvPr>
@@ -2995,51 +3024,44 @@
           </a:ln>
           <a:extLst>
             <a:ext uri="{C572A759-6A51-4108-AA02-DFA0A04FC94B}">
-              <ma14:wrappingTextBoxFlag xmlns:ma14="http://schemas.microsoft.com/office/mac/drawingml/2011/main" val="1"/>
+              <ma14:wrappingTextBoxFlag xmlns:ma14="http://schemas.microsoft.com/office/mac/drawingml/2011/main" xmlns:a14="http://schemas.microsoft.com/office/drawing/2010/main" xmlns:m="http://schemas.openxmlformats.org/officeDocument/2006/math" xmlns="" val="1"/>
             </a:ext>
           </a:extLst>
         </p:spPr>
         <p:txBody>
           <a:bodyPr lIns="50800" tIns="50800" rIns="50800" bIns="50800">
-            <a:normAutofit fontScale="100000" lnSpcReduction="0"/>
+            <a:normAutofit/>
           </a:bodyPr>
           <a:lstStyle/>
           <a:p>
-            <a:pPr/>
             <a:r>
               <a:t>슬라이드 구분점 텍스트</a:t>
             </a:r>
           </a:p>
           <a:p>
             <a:pPr lvl="1"/>
-            <a:r>
-              <a:t/>
-            </a:r>
+            <a:endParaRPr/>
           </a:p>
           <a:p>
             <a:pPr lvl="2"/>
-            <a:r>
-              <a:t/>
-            </a:r>
+            <a:endParaRPr/>
           </a:p>
           <a:p>
             <a:pPr lvl="3"/>
-            <a:r>
-              <a:t/>
-            </a:r>
+            <a:endParaRPr/>
           </a:p>
           <a:p>
             <a:pPr lvl="4"/>
-            <a:r>
-              <a:t/>
-            </a:r>
+            <a:endParaRPr/>
           </a:p>
         </p:txBody>
       </p:sp>
       <p:sp>
         <p:nvSpPr>
           <p:cNvPr id="4" name="슬라이드 번호"/>
-          <p:cNvSpPr txBox="1"/>
+          <p:cNvSpPr txBox="1">
+            <a:spLocks noGrp="1"/>
+          </p:cNvSpPr>
           <p:nvPr>
             <p:ph type="sldNum" sz="quarter" idx="2"/>
           </p:nvPr>
@@ -3070,8 +3092,10 @@
             </a:lvl1pPr>
           </a:lstStyle>
           <a:p>
-            <a:pPr/>
-            <a:fld id="{86CB4B4D-7CA3-9044-876B-883B54F8677D}" type="slidenum"/>
+            <a:fld id="{86CB4B4D-7CA3-9044-876B-883B54F8677D}" type="slidenum">
+              <a:t>‹#›</a:t>
+            </a:fld>
+            <a:endParaRPr/>
           </a:p>
         </p:txBody>
       </p:sp>
@@ -3079,23 +3103,23 @@
   </p:cSld>
   <p:clrMap bg1="lt1" tx1="dk1" bg2="lt2" tx2="dk2" accent1="accent1" accent2="accent2" accent3="accent3" accent4="accent4" accent5="accent5" accent6="accent6" hlink="hlink" folHlink="folHlink"/>
   <p:sldLayoutIdLst>
-    <p:sldLayoutId id="2147483649" r:id="rId2"/>
-    <p:sldLayoutId id="2147483650" r:id="rId3"/>
-    <p:sldLayoutId id="2147483651" r:id="rId4"/>
-    <p:sldLayoutId id="2147483652" r:id="rId5"/>
-    <p:sldLayoutId id="2147483653" r:id="rId6"/>
-    <p:sldLayoutId id="2147483654" r:id="rId7"/>
-    <p:sldLayoutId id="2147483655" r:id="rId8"/>
-    <p:sldLayoutId id="2147483656" r:id="rId9"/>
-    <p:sldLayoutId id="2147483657" r:id="rId10"/>
-    <p:sldLayoutId id="2147483658" r:id="rId11"/>
-    <p:sldLayoutId id="2147483659" r:id="rId12"/>
-    <p:sldLayoutId id="2147483660" r:id="rId13"/>
-    <p:sldLayoutId id="2147483661" r:id="rId14"/>
-    <p:sldLayoutId id="2147483662" r:id="rId15"/>
-    <p:sldLayoutId id="2147483663" r:id="rId16"/>
+    <p:sldLayoutId id="2147483649" r:id="rId1"/>
+    <p:sldLayoutId id="2147483650" r:id="rId2"/>
+    <p:sldLayoutId id="2147483651" r:id="rId3"/>
+    <p:sldLayoutId id="2147483652" r:id="rId4"/>
+    <p:sldLayoutId id="2147483653" r:id="rId5"/>
+    <p:sldLayoutId id="2147483654" r:id="rId6"/>
+    <p:sldLayoutId id="2147483655" r:id="rId7"/>
+    <p:sldLayoutId id="2147483656" r:id="rId8"/>
+    <p:sldLayoutId id="2147483657" r:id="rId9"/>
+    <p:sldLayoutId id="2147483658" r:id="rId10"/>
+    <p:sldLayoutId id="2147483659" r:id="rId11"/>
+    <p:sldLayoutId id="2147483660" r:id="rId12"/>
+    <p:sldLayoutId id="2147483661" r:id="rId13"/>
+    <p:sldLayoutId id="2147483662" r:id="rId14"/>
+    <p:sldLayoutId id="2147483663" r:id="rId15"/>
   </p:sldLayoutIdLst>
-  <p:transition xmlns:p14="http://schemas.microsoft.com/office/powerpoint/2010/main" spd="med" advClick="1"/>
+  <p:transition spd="med"/>
   <p:txStyles>
     <p:titleStyle>
       <a:lvl1pPr marL="0" marR="0" indent="0" algn="l" defTabSz="2438338" rtl="0" latinLnBrk="0">
@@ -3113,7 +3137,7 @@
         <a:buFontTx/>
         <a:buNone/>
         <a:tabLst/>
-        <a:defRPr b="1" baseline="0" cap="none" i="0" spc="-170" strike="noStrike" sz="8500" u="none">
+        <a:defRPr sz="8500" b="1" i="0" u="none" strike="noStrike" cap="none" spc="-170" baseline="0">
           <a:solidFill>
             <a:srgbClr val="000000"/>
           </a:solidFill>
@@ -3139,7 +3163,7 @@
         <a:buFontTx/>
         <a:buNone/>
         <a:tabLst/>
-        <a:defRPr b="1" baseline="0" cap="none" i="0" spc="-170" strike="noStrike" sz="8500" u="none">
+        <a:defRPr sz="8500" b="1" i="0" u="none" strike="noStrike" cap="none" spc="-170" baseline="0">
           <a:solidFill>
             <a:srgbClr val="000000"/>
           </a:solidFill>
@@ -3165,7 +3189,7 @@
         <a:buFontTx/>
         <a:buNone/>
         <a:tabLst/>
-        <a:defRPr b="1" baseline="0" cap="none" i="0" spc="-170" strike="noStrike" sz="8500" u="none">
+        <a:defRPr sz="8500" b="1" i="0" u="none" strike="noStrike" cap="none" spc="-170" baseline="0">
           <a:solidFill>
             <a:srgbClr val="000000"/>
           </a:solidFill>
@@ -3191,7 +3215,7 @@
         <a:buFontTx/>
         <a:buNone/>
         <a:tabLst/>
-        <a:defRPr b="1" baseline="0" cap="none" i="0" spc="-170" strike="noStrike" sz="8500" u="none">
+        <a:defRPr sz="8500" b="1" i="0" u="none" strike="noStrike" cap="none" spc="-170" baseline="0">
           <a:solidFill>
             <a:srgbClr val="000000"/>
           </a:solidFill>
@@ -3217,7 +3241,7 @@
         <a:buFontTx/>
         <a:buNone/>
         <a:tabLst/>
-        <a:defRPr b="1" baseline="0" cap="none" i="0" spc="-170" strike="noStrike" sz="8500" u="none">
+        <a:defRPr sz="8500" b="1" i="0" u="none" strike="noStrike" cap="none" spc="-170" baseline="0">
           <a:solidFill>
             <a:srgbClr val="000000"/>
           </a:solidFill>
@@ -3243,7 +3267,7 @@
         <a:buFontTx/>
         <a:buNone/>
         <a:tabLst/>
-        <a:defRPr b="1" baseline="0" cap="none" i="0" spc="-170" strike="noStrike" sz="8500" u="none">
+        <a:defRPr sz="8500" b="1" i="0" u="none" strike="noStrike" cap="none" spc="-170" baseline="0">
           <a:solidFill>
             <a:srgbClr val="000000"/>
           </a:solidFill>
@@ -3269,7 +3293,7 @@
         <a:buFontTx/>
         <a:buNone/>
         <a:tabLst/>
-        <a:defRPr b="1" baseline="0" cap="none" i="0" spc="-170" strike="noStrike" sz="8500" u="none">
+        <a:defRPr sz="8500" b="1" i="0" u="none" strike="noStrike" cap="none" spc="-170" baseline="0">
           <a:solidFill>
             <a:srgbClr val="000000"/>
           </a:solidFill>
@@ -3295,7 +3319,7 @@
         <a:buFontTx/>
         <a:buNone/>
         <a:tabLst/>
-        <a:defRPr b="1" baseline="0" cap="none" i="0" spc="-170" strike="noStrike" sz="8500" u="none">
+        <a:defRPr sz="8500" b="1" i="0" u="none" strike="noStrike" cap="none" spc="-170" baseline="0">
           <a:solidFill>
             <a:srgbClr val="000000"/>
           </a:solidFill>
@@ -3321,7 +3345,7 @@
         <a:buFontTx/>
         <a:buNone/>
         <a:tabLst/>
-        <a:defRPr b="1" baseline="0" cap="none" i="0" spc="-170" strike="noStrike" sz="8500" u="none">
+        <a:defRPr sz="8500" b="1" i="0" u="none" strike="noStrike" cap="none" spc="-170" baseline="0">
           <a:solidFill>
             <a:srgbClr val="000000"/>
           </a:solidFill>
@@ -3349,7 +3373,7 @@
         <a:buFontTx/>
         <a:buChar char="•"/>
         <a:tabLst/>
-        <a:defRPr b="0" baseline="0" cap="none" i="0" spc="0" strike="noStrike" sz="4800" u="none">
+        <a:defRPr sz="4800" b="0" i="0" u="none" strike="noStrike" cap="none" spc="0" baseline="0">
           <a:solidFill>
             <a:srgbClr val="000000"/>
           </a:solidFill>
@@ -3375,7 +3399,7 @@
         <a:buFontTx/>
         <a:buChar char="•"/>
         <a:tabLst/>
-        <a:defRPr b="0" baseline="0" cap="none" i="0" spc="0" strike="noStrike" sz="4800" u="none">
+        <a:defRPr sz="4800" b="0" i="0" u="none" strike="noStrike" cap="none" spc="0" baseline="0">
           <a:solidFill>
             <a:srgbClr val="000000"/>
           </a:solidFill>
@@ -3401,7 +3425,7 @@
         <a:buFontTx/>
         <a:buChar char="•"/>
         <a:tabLst/>
-        <a:defRPr b="0" baseline="0" cap="none" i="0" spc="0" strike="noStrike" sz="4800" u="none">
+        <a:defRPr sz="4800" b="0" i="0" u="none" strike="noStrike" cap="none" spc="0" baseline="0">
           <a:solidFill>
             <a:srgbClr val="000000"/>
           </a:solidFill>
@@ -3427,7 +3451,7 @@
         <a:buFontTx/>
         <a:buChar char="•"/>
         <a:tabLst/>
-        <a:defRPr b="0" baseline="0" cap="none" i="0" spc="0" strike="noStrike" sz="4800" u="none">
+        <a:defRPr sz="4800" b="0" i="0" u="none" strike="noStrike" cap="none" spc="0" baseline="0">
           <a:solidFill>
             <a:srgbClr val="000000"/>
           </a:solidFill>
@@ -3453,7 +3477,7 @@
         <a:buFontTx/>
         <a:buChar char="•"/>
         <a:tabLst/>
-        <a:defRPr b="0" baseline="0" cap="none" i="0" spc="0" strike="noStrike" sz="4800" u="none">
+        <a:defRPr sz="4800" b="0" i="0" u="none" strike="noStrike" cap="none" spc="0" baseline="0">
           <a:solidFill>
             <a:srgbClr val="000000"/>
           </a:solidFill>
@@ -3479,7 +3503,7 @@
         <a:buFontTx/>
         <a:buChar char="•"/>
         <a:tabLst/>
-        <a:defRPr b="0" baseline="0" cap="none" i="0" spc="0" strike="noStrike" sz="4800" u="none">
+        <a:defRPr sz="4800" b="0" i="0" u="none" strike="noStrike" cap="none" spc="0" baseline="0">
           <a:solidFill>
             <a:srgbClr val="000000"/>
           </a:solidFill>
@@ -3505,7 +3529,7 @@
         <a:buFontTx/>
         <a:buChar char="•"/>
         <a:tabLst/>
-        <a:defRPr b="0" baseline="0" cap="none" i="0" spc="0" strike="noStrike" sz="4800" u="none">
+        <a:defRPr sz="4800" b="0" i="0" u="none" strike="noStrike" cap="none" spc="0" baseline="0">
           <a:solidFill>
             <a:srgbClr val="000000"/>
           </a:solidFill>
@@ -3531,7 +3555,7 @@
         <a:buFontTx/>
         <a:buChar char="•"/>
         <a:tabLst/>
-        <a:defRPr b="0" baseline="0" cap="none" i="0" spc="0" strike="noStrike" sz="4800" u="none">
+        <a:defRPr sz="4800" b="0" i="0" u="none" strike="noStrike" cap="none" spc="0" baseline="0">
           <a:solidFill>
             <a:srgbClr val="000000"/>
           </a:solidFill>
@@ -3557,7 +3581,7 @@
         <a:buFontTx/>
         <a:buChar char="•"/>
         <a:tabLst/>
-        <a:defRPr b="0" baseline="0" cap="none" i="0" spc="0" strike="noStrike" sz="4800" u="none">
+        <a:defRPr sz="4800" b="0" i="0" u="none" strike="noStrike" cap="none" spc="0" baseline="0">
           <a:solidFill>
             <a:srgbClr val="000000"/>
           </a:solidFill>
@@ -3585,7 +3609,7 @@
         <a:buFontTx/>
         <a:buNone/>
         <a:tabLst/>
-        <a:defRPr b="0" baseline="0" cap="none" i="0" spc="0" strike="noStrike" sz="1800" u="none">
+        <a:defRPr sz="1800" b="0" i="0" u="none" strike="noStrike" cap="none" spc="0" baseline="0">
           <a:solidFill>
             <a:schemeClr val="tx1"/>
           </a:solidFill>
@@ -3611,7 +3635,7 @@
         <a:buFontTx/>
         <a:buNone/>
         <a:tabLst/>
-        <a:defRPr b="0" baseline="0" cap="none" i="0" spc="0" strike="noStrike" sz="1800" u="none">
+        <a:defRPr sz="1800" b="0" i="0" u="none" strike="noStrike" cap="none" spc="0" baseline="0">
           <a:solidFill>
             <a:schemeClr val="tx1"/>
           </a:solidFill>
@@ -3637,7 +3661,7 @@
         <a:buFontTx/>
         <a:buNone/>
         <a:tabLst/>
-        <a:defRPr b="0" baseline="0" cap="none" i="0" spc="0" strike="noStrike" sz="1800" u="none">
+        <a:defRPr sz="1800" b="0" i="0" u="none" strike="noStrike" cap="none" spc="0" baseline="0">
           <a:solidFill>
             <a:schemeClr val="tx1"/>
           </a:solidFill>
@@ -3663,7 +3687,7 @@
         <a:buFontTx/>
         <a:buNone/>
         <a:tabLst/>
-        <a:defRPr b="0" baseline="0" cap="none" i="0" spc="0" strike="noStrike" sz="1800" u="none">
+        <a:defRPr sz="1800" b="0" i="0" u="none" strike="noStrike" cap="none" spc="0" baseline="0">
           <a:solidFill>
             <a:schemeClr val="tx1"/>
           </a:solidFill>
@@ -3689,7 +3713,7 @@
         <a:buFontTx/>
         <a:buNone/>
         <a:tabLst/>
-        <a:defRPr b="0" baseline="0" cap="none" i="0" spc="0" strike="noStrike" sz="1800" u="none">
+        <a:defRPr sz="1800" b="0" i="0" u="none" strike="noStrike" cap="none" spc="0" baseline="0">
           <a:solidFill>
             <a:schemeClr val="tx1"/>
           </a:solidFill>
@@ -3715,7 +3739,7 @@
         <a:buFontTx/>
         <a:buNone/>
         <a:tabLst/>
-        <a:defRPr b="0" baseline="0" cap="none" i="0" spc="0" strike="noStrike" sz="1800" u="none">
+        <a:defRPr sz="1800" b="0" i="0" u="none" strike="noStrike" cap="none" spc="0" baseline="0">
           <a:solidFill>
             <a:schemeClr val="tx1"/>
           </a:solidFill>
@@ -3741,7 +3765,7 @@
         <a:buFontTx/>
         <a:buNone/>
         <a:tabLst/>
-        <a:defRPr b="0" baseline="0" cap="none" i="0" spc="0" strike="noStrike" sz="1800" u="none">
+        <a:defRPr sz="1800" b="0" i="0" u="none" strike="noStrike" cap="none" spc="0" baseline="0">
           <a:solidFill>
             <a:schemeClr val="tx1"/>
           </a:solidFill>
@@ -3767,7 +3791,7 @@
         <a:buFontTx/>
         <a:buNone/>
         <a:tabLst/>
-        <a:defRPr b="0" baseline="0" cap="none" i="0" spc="0" strike="noStrike" sz="1800" u="none">
+        <a:defRPr sz="1800" b="0" i="0" u="none" strike="noStrike" cap="none" spc="0" baseline="0">
           <a:solidFill>
             <a:schemeClr val="tx1"/>
           </a:solidFill>
@@ -3793,7 +3817,7 @@
         <a:buFontTx/>
         <a:buNone/>
         <a:tabLst/>
-        <a:defRPr b="0" baseline="0" cap="none" i="0" spc="0" strike="noStrike" sz="1800" u="none">
+        <a:defRPr sz="1800" b="0" i="0" u="none" strike="noStrike" cap="none" spc="0" baseline="0">
           <a:solidFill>
             <a:schemeClr val="tx1"/>
           </a:solidFill>
@@ -3810,7 +3834,7 @@
 </file>
 
 <file path=ppt/slides/slide1.xml><?xml version="1.0" encoding="utf-8"?>
-<p:sld xmlns:a="http://schemas.openxmlformats.org/drawingml/2006/main" xmlns:r="http://schemas.openxmlformats.org/officeDocument/2006/relationships" xmlns:p="http://schemas.openxmlformats.org/presentationml/2006/main" xmlns:m="http://schemas.openxmlformats.org/officeDocument/2006/math" xmlns:a14="http://schemas.microsoft.com/office/drawing/2010/main" showMasterSp="1" showMasterPhAnim="1">
+<p:sld xmlns:a="http://schemas.openxmlformats.org/drawingml/2006/main" xmlns:r="http://schemas.openxmlformats.org/officeDocument/2006/relationships" xmlns:p="http://schemas.openxmlformats.org/presentationml/2006/main">
   <p:cSld>
     <p:spTree>
       <p:nvGrpSpPr>
@@ -3848,7 +3872,7 @@
           </a:ln>
           <a:extLst>
             <a:ext uri="{C572A759-6A51-4108-AA02-DFA0A04FC94B}">
-              <ma14:wrappingTextBoxFlag xmlns:ma14="http://schemas.microsoft.com/office/mac/drawingml/2011/main" val="1"/>
+              <ma14:wrappingTextBoxFlag xmlns:ma14="http://schemas.microsoft.com/office/mac/drawingml/2011/main" xmlns:a14="http://schemas.microsoft.com/office/drawing/2010/main" xmlns:m="http://schemas.openxmlformats.org/officeDocument/2006/math" xmlns="" val="1"/>
             </a:ext>
           </a:extLst>
         </p:spPr>
@@ -3883,6 +3907,7 @@
                 <a:sym typeface="Helvetica Neue Medium"/>
               </a:defRPr>
             </a:pPr>
+            <a:endParaRPr/>
           </a:p>
           <a:p>
             <a:pPr algn="l" defTabSz="825500">
@@ -3896,6 +3921,7 @@
                 <a:sym typeface="Helvetica Neue Medium"/>
               </a:defRPr>
             </a:pPr>
+            <a:endParaRPr/>
           </a:p>
           <a:p>
             <a:pPr algn="l" defTabSz="825500">
@@ -3937,7 +3963,7 @@
           </a:ln>
           <a:extLst>
             <a:ext uri="{C572A759-6A51-4108-AA02-DFA0A04FC94B}">
-              <ma14:wrappingTextBoxFlag xmlns:ma14="http://schemas.microsoft.com/office/mac/drawingml/2011/main" val="1"/>
+              <ma14:wrappingTextBoxFlag xmlns:ma14="http://schemas.microsoft.com/office/mac/drawingml/2011/main" xmlns:a14="http://schemas.microsoft.com/office/drawing/2010/main" xmlns:m="http://schemas.openxmlformats.org/officeDocument/2006/math" xmlns="" val="1"/>
             </a:ext>
           </a:extLst>
         </p:spPr>
@@ -3957,7 +3983,6 @@
             </a:lvl1pPr>
           </a:lstStyle>
           <a:p>
-            <a:pPr/>
             <a:r>
               <a:t>자리 배치 DB</a:t>
             </a:r>
@@ -3986,7 +4011,7 @@
           </a:ln>
           <a:extLst>
             <a:ext uri="{C572A759-6A51-4108-AA02-DFA0A04FC94B}">
-              <ma14:wrappingTextBoxFlag xmlns:ma14="http://schemas.microsoft.com/office/mac/drawingml/2011/main" val="1"/>
+              <ma14:wrappingTextBoxFlag xmlns:ma14="http://schemas.microsoft.com/office/mac/drawingml/2011/main" xmlns:a14="http://schemas.microsoft.com/office/drawing/2010/main" xmlns:m="http://schemas.openxmlformats.org/officeDocument/2006/math" xmlns="" val="1"/>
             </a:ext>
           </a:extLst>
         </p:spPr>
@@ -4006,7 +4031,6 @@
             </a:lvl1pPr>
           </a:lstStyle>
           <a:p>
-            <a:pPr/>
             <a:r>
               <a:t>1208</a:t>
             </a:r>
@@ -4035,7 +4059,7 @@
           </a:ln>
           <a:extLst>
             <a:ext uri="{C572A759-6A51-4108-AA02-DFA0A04FC94B}">
-              <ma14:wrappingTextBoxFlag xmlns:ma14="http://schemas.microsoft.com/office/mac/drawingml/2011/main" val="1"/>
+              <ma14:wrappingTextBoxFlag xmlns:ma14="http://schemas.microsoft.com/office/mac/drawingml/2011/main" xmlns:a14="http://schemas.microsoft.com/office/drawing/2010/main" xmlns:m="http://schemas.openxmlformats.org/officeDocument/2006/math" xmlns="" val="1"/>
             </a:ext>
           </a:extLst>
         </p:spPr>
@@ -4055,7 +4079,6 @@
             </a:lvl1pPr>
           </a:lstStyle>
           <a:p>
-            <a:pPr/>
             <a:r>
               <a:t>1309</a:t>
             </a:r>
@@ -4084,7 +4107,7 @@
           </a:ln>
           <a:extLst>
             <a:ext uri="{C572A759-6A51-4108-AA02-DFA0A04FC94B}">
-              <ma14:wrappingTextBoxFlag xmlns:ma14="http://schemas.microsoft.com/office/mac/drawingml/2011/main" val="1"/>
+              <ma14:wrappingTextBoxFlag xmlns:ma14="http://schemas.microsoft.com/office/mac/drawingml/2011/main" xmlns:a14="http://schemas.microsoft.com/office/drawing/2010/main" xmlns:m="http://schemas.openxmlformats.org/officeDocument/2006/math" xmlns="" val="1"/>
             </a:ext>
           </a:extLst>
         </p:spPr>
@@ -4147,7 +4170,7 @@
           </a:ln>
           <a:extLst>
             <a:ext uri="{C572A759-6A51-4108-AA02-DFA0A04FC94B}">
-              <ma14:wrappingTextBoxFlag xmlns:ma14="http://schemas.microsoft.com/office/mac/drawingml/2011/main" val="1"/>
+              <ma14:wrappingTextBoxFlag xmlns:ma14="http://schemas.microsoft.com/office/mac/drawingml/2011/main" xmlns:a14="http://schemas.microsoft.com/office/drawing/2010/main" xmlns:m="http://schemas.openxmlformats.org/officeDocument/2006/math" xmlns="" val="1"/>
             </a:ext>
           </a:extLst>
         </p:spPr>
@@ -4167,7 +4190,6 @@
             </a:lvl1pPr>
           </a:lstStyle>
           <a:p>
-            <a:pPr/>
             <a:r>
               <a:t>car=1238 / id = 10392 / 10min</a:t>
             </a:r>
@@ -4196,7 +4218,7 @@
           </a:ln>
           <a:extLst>
             <a:ext uri="{C572A759-6A51-4108-AA02-DFA0A04FC94B}">
-              <ma14:wrappingTextBoxFlag xmlns:ma14="http://schemas.microsoft.com/office/mac/drawingml/2011/main" val="1"/>
+              <ma14:wrappingTextBoxFlag xmlns:ma14="http://schemas.microsoft.com/office/mac/drawingml/2011/main" xmlns:a14="http://schemas.microsoft.com/office/drawing/2010/main" xmlns:m="http://schemas.openxmlformats.org/officeDocument/2006/math" xmlns="" val="1"/>
             </a:ext>
           </a:extLst>
         </p:spPr>
@@ -4231,6 +4253,7 @@
                 <a:sym typeface="Helvetica Neue Medium"/>
               </a:defRPr>
             </a:pPr>
+            <a:endParaRPr/>
           </a:p>
           <a:p>
             <a:pPr algn="l" defTabSz="825500">
@@ -4244,6 +4267,7 @@
                 <a:sym typeface="Helvetica Neue Medium"/>
               </a:defRPr>
             </a:pPr>
+            <a:endParaRPr/>
           </a:p>
           <a:p>
             <a:pPr algn="l" defTabSz="825500">
@@ -4268,12 +4292,12 @@
   <p:clrMapOvr>
     <a:masterClrMapping/>
   </p:clrMapOvr>
-  <p:transition xmlns:p14="http://schemas.microsoft.com/office/powerpoint/2010/main" spd="med" advClick="1"/>
+  <p:transition spd="med"/>
 </p:sld>
 </file>
 
 <file path=ppt/slides/slide2.xml><?xml version="1.0" encoding="utf-8"?>
-<p:sld xmlns:a="http://schemas.openxmlformats.org/drawingml/2006/main" xmlns:r="http://schemas.openxmlformats.org/officeDocument/2006/relationships" xmlns:p="http://schemas.openxmlformats.org/presentationml/2006/main" xmlns:m="http://schemas.openxmlformats.org/officeDocument/2006/math" xmlns:a14="http://schemas.microsoft.com/office/drawing/2010/main" showMasterSp="1" showMasterPhAnim="1">
+<p:sld xmlns:a="http://schemas.openxmlformats.org/drawingml/2006/main" xmlns:r="http://schemas.openxmlformats.org/officeDocument/2006/relationships" xmlns:p="http://schemas.openxmlformats.org/presentationml/2006/main">
   <p:cSld>
     <p:spTree>
       <p:nvGrpSpPr>
@@ -4311,7 +4335,7 @@
           </a:ln>
           <a:extLst>
             <a:ext uri="{C572A759-6A51-4108-AA02-DFA0A04FC94B}">
-              <ma14:wrappingTextBoxFlag xmlns:ma14="http://schemas.microsoft.com/office/mac/drawingml/2011/main" val="1"/>
+              <ma14:wrappingTextBoxFlag xmlns:ma14="http://schemas.microsoft.com/office/mac/drawingml/2011/main" xmlns:a14="http://schemas.microsoft.com/office/drawing/2010/main" xmlns:m="http://schemas.openxmlformats.org/officeDocument/2006/math" xmlns="" val="1"/>
             </a:ext>
           </a:extLst>
         </p:spPr>
@@ -4331,7 +4355,6 @@
             </a:lvl1pPr>
           </a:lstStyle>
           <a:p>
-            <a:pPr/>
             <a:r>
               <a:t>DB</a:t>
             </a:r>
@@ -4360,7 +4383,7 @@
           </a:ln>
           <a:extLst>
             <a:ext uri="{C572A759-6A51-4108-AA02-DFA0A04FC94B}">
-              <ma14:wrappingTextBoxFlag xmlns:ma14="http://schemas.microsoft.com/office/mac/drawingml/2011/main" val="1"/>
+              <ma14:wrappingTextBoxFlag xmlns:ma14="http://schemas.microsoft.com/office/mac/drawingml/2011/main" xmlns:a14="http://schemas.microsoft.com/office/drawing/2010/main" xmlns:m="http://schemas.openxmlformats.org/officeDocument/2006/math" xmlns="" val="1"/>
             </a:ext>
           </a:extLst>
         </p:spPr>
@@ -4380,7 +4403,6 @@
             </a:lvl1pPr>
           </a:lstStyle>
           <a:p>
-            <a:pPr/>
             <a:r>
               <a:t>User</a:t>
             </a:r>
@@ -4409,7 +4431,7 @@
           </a:ln>
           <a:extLst>
             <a:ext uri="{C572A759-6A51-4108-AA02-DFA0A04FC94B}">
-              <ma14:wrappingTextBoxFlag xmlns:ma14="http://schemas.microsoft.com/office/mac/drawingml/2011/main" val="1"/>
+              <ma14:wrappingTextBoxFlag xmlns:ma14="http://schemas.microsoft.com/office/mac/drawingml/2011/main" xmlns:a14="http://schemas.microsoft.com/office/drawing/2010/main" xmlns:m="http://schemas.openxmlformats.org/officeDocument/2006/math" xmlns="" val="1"/>
             </a:ext>
           </a:extLst>
         </p:spPr>
@@ -4429,7 +4451,6 @@
             </a:lvl1pPr>
           </a:lstStyle>
           <a:p>
-            <a:pPr/>
             <a:r>
               <a:t>SubwayLocation</a:t>
             </a:r>
@@ -4458,7 +4479,7 @@
           </a:ln>
           <a:extLst>
             <a:ext uri="{C572A759-6A51-4108-AA02-DFA0A04FC94B}">
-              <ma14:wrappingTextBoxFlag xmlns:ma14="http://schemas.microsoft.com/office/mac/drawingml/2011/main" val="1"/>
+              <ma14:wrappingTextBoxFlag xmlns:ma14="http://schemas.microsoft.com/office/mac/drawingml/2011/main" xmlns:a14="http://schemas.microsoft.com/office/drawing/2010/main" xmlns:m="http://schemas.openxmlformats.org/officeDocument/2006/math" xmlns="" val="1"/>
             </a:ext>
           </a:extLst>
         </p:spPr>
@@ -4478,7 +4499,6 @@
             </a:lvl1pPr>
           </a:lstStyle>
           <a:p>
-            <a:pPr/>
             <a:r>
               <a:t>SeatStatus</a:t>
             </a:r>
@@ -4493,8 +4513,8 @@
         </p:nvSpPr>
         <p:spPr>
           <a:xfrm>
-            <a:off x="4568873" y="5121472"/>
-            <a:ext cx="2355035" cy="695716"/>
+            <a:off x="2483209" y="5121471"/>
+            <a:ext cx="4440699" cy="1237105"/>
           </a:xfrm>
           <a:prstGeom prst="rect">
             <a:avLst/>
@@ -4507,7 +4527,7 @@
           </a:ln>
           <a:extLst>
             <a:ext uri="{C572A759-6A51-4108-AA02-DFA0A04FC94B}">
-              <ma14:wrappingTextBoxFlag xmlns:ma14="http://schemas.microsoft.com/office/mac/drawingml/2011/main" val="1"/>
+              <ma14:wrappingTextBoxFlag xmlns:ma14="http://schemas.microsoft.com/office/mac/drawingml/2011/main" xmlns:a14="http://schemas.microsoft.com/office/drawing/2010/main" xmlns:m="http://schemas.openxmlformats.org/officeDocument/2006/math" xmlns="" val="1"/>
             </a:ext>
           </a:extLst>
         </p:spPr>
@@ -4527,10 +4547,11 @@
             </a:lvl1pPr>
           </a:lstStyle>
           <a:p>
-            <a:pPr/>
             <a:r>
+              <a:rPr dirty="0" err="1"/>
               <a:t>UserId</a:t>
             </a:r>
+            <a:endParaRPr dirty="0"/>
           </a:p>
         </p:txBody>
       </p:sp>
@@ -4542,7 +4563,7 @@
         </p:nvSpPr>
         <p:spPr>
           <a:xfrm>
-            <a:off x="4568873" y="6129040"/>
+            <a:off x="4568873" y="6511126"/>
             <a:ext cx="2355035" cy="695716"/>
           </a:xfrm>
           <a:prstGeom prst="rect">
@@ -4556,7 +4577,7 @@
           </a:ln>
           <a:extLst>
             <a:ext uri="{C572A759-6A51-4108-AA02-DFA0A04FC94B}">
-              <ma14:wrappingTextBoxFlag xmlns:ma14="http://schemas.microsoft.com/office/mac/drawingml/2011/main" val="1"/>
+              <ma14:wrappingTextBoxFlag xmlns:ma14="http://schemas.microsoft.com/office/mac/drawingml/2011/main" xmlns:a14="http://schemas.microsoft.com/office/drawing/2010/main" xmlns:m="http://schemas.openxmlformats.org/officeDocument/2006/math" xmlns="" val="1"/>
             </a:ext>
           </a:extLst>
         </p:spPr>
@@ -4576,8 +4597,8 @@
             </a:lvl1pPr>
           </a:lstStyle>
           <a:p>
-            <a:pPr/>
             <a:r>
+              <a:rPr dirty="0"/>
               <a:t>Password</a:t>
             </a:r>
           </a:p>
@@ -4591,7 +4612,7 @@
         </p:nvSpPr>
         <p:spPr>
           <a:xfrm>
-            <a:off x="4568873" y="7136609"/>
+            <a:off x="4568872" y="7408213"/>
             <a:ext cx="2355035" cy="657168"/>
           </a:xfrm>
           <a:prstGeom prst="rect">
@@ -4605,7 +4626,7 @@
           </a:ln>
           <a:extLst>
             <a:ext uri="{C572A759-6A51-4108-AA02-DFA0A04FC94B}">
-              <ma14:wrappingTextBoxFlag xmlns:ma14="http://schemas.microsoft.com/office/mac/drawingml/2011/main" val="1"/>
+              <ma14:wrappingTextBoxFlag xmlns:ma14="http://schemas.microsoft.com/office/mac/drawingml/2011/main" xmlns:a14="http://schemas.microsoft.com/office/drawing/2010/main" xmlns:m="http://schemas.openxmlformats.org/officeDocument/2006/math" xmlns="" val="1"/>
             </a:ext>
           </a:extLst>
         </p:spPr>
@@ -4625,8 +4646,8 @@
             </a:lvl1pPr>
           </a:lstStyle>
           <a:p>
-            <a:pPr/>
             <a:r>
+              <a:rPr dirty="0"/>
               <a:t>name</a:t>
             </a:r>
           </a:p>
@@ -4640,8 +4661,8 @@
         </p:nvSpPr>
         <p:spPr>
           <a:xfrm>
-            <a:off x="11995581" y="6820440"/>
-            <a:ext cx="2355035" cy="695716"/>
+            <a:off x="10771357" y="6708510"/>
+            <a:ext cx="3835016" cy="1208290"/>
           </a:xfrm>
           <a:prstGeom prst="rect">
             <a:avLst/>
@@ -4654,7 +4675,7 @@
           </a:ln>
           <a:extLst>
             <a:ext uri="{C572A759-6A51-4108-AA02-DFA0A04FC94B}">
-              <ma14:wrappingTextBoxFlag xmlns:ma14="http://schemas.microsoft.com/office/mac/drawingml/2011/main" val="1"/>
+              <ma14:wrappingTextBoxFlag xmlns:ma14="http://schemas.microsoft.com/office/mac/drawingml/2011/main" xmlns:a14="http://schemas.microsoft.com/office/drawing/2010/main" xmlns:m="http://schemas.openxmlformats.org/officeDocument/2006/math" xmlns="" val="1"/>
             </a:ext>
           </a:extLst>
         </p:spPr>
@@ -4674,7 +4695,6 @@
             </a:lvl1pPr>
           </a:lstStyle>
           <a:p>
-            <a:pPr/>
             <a:r>
               <a:t>trainNo </a:t>
             </a:r>
@@ -4689,7 +4709,7 @@
         </p:nvSpPr>
         <p:spPr>
           <a:xfrm>
-            <a:off x="11995581" y="7764665"/>
+            <a:off x="12251338" y="8277239"/>
             <a:ext cx="2355035" cy="695716"/>
           </a:xfrm>
           <a:prstGeom prst="rect">
@@ -4703,7 +4723,7 @@
           </a:ln>
           <a:extLst>
             <a:ext uri="{C572A759-6A51-4108-AA02-DFA0A04FC94B}">
-              <ma14:wrappingTextBoxFlag xmlns:ma14="http://schemas.microsoft.com/office/mac/drawingml/2011/main" val="1"/>
+              <ma14:wrappingTextBoxFlag xmlns:ma14="http://schemas.microsoft.com/office/mac/drawingml/2011/main" xmlns:a14="http://schemas.microsoft.com/office/drawing/2010/main" xmlns:m="http://schemas.openxmlformats.org/officeDocument/2006/math" xmlns="" val="1"/>
             </a:ext>
           </a:extLst>
         </p:spPr>
@@ -4723,10 +4743,11 @@
             </a:lvl1pPr>
           </a:lstStyle>
           <a:p>
-            <a:pPr/>
             <a:r>
+              <a:rPr dirty="0" err="1"/>
               <a:t>statnNm</a:t>
             </a:r>
+            <a:endParaRPr dirty="0"/>
           </a:p>
         </p:txBody>
       </p:sp>
@@ -4738,7 +4759,7 @@
         </p:nvSpPr>
         <p:spPr>
           <a:xfrm>
-            <a:off x="10165673" y="5301931"/>
+            <a:off x="10165673" y="5088576"/>
             <a:ext cx="4440700" cy="1270001"/>
           </a:xfrm>
           <a:prstGeom prst="rect">
@@ -4752,7 +4773,7 @@
           </a:ln>
           <a:extLst>
             <a:ext uri="{C572A759-6A51-4108-AA02-DFA0A04FC94B}">
-              <ma14:wrappingTextBoxFlag xmlns:ma14="http://schemas.microsoft.com/office/mac/drawingml/2011/main" val="1"/>
+              <ma14:wrappingTextBoxFlag xmlns:ma14="http://schemas.microsoft.com/office/mac/drawingml/2011/main" xmlns:a14="http://schemas.microsoft.com/office/drawing/2010/main" xmlns:m="http://schemas.openxmlformats.org/officeDocument/2006/math" xmlns="" val="1"/>
             </a:ext>
           </a:extLst>
         </p:spPr>
@@ -4772,7 +4793,6 @@
             </a:lvl1pPr>
           </a:lstStyle>
           <a:p>
-            <a:pPr/>
             <a:r>
               <a:t>Line4</a:t>
             </a:r>
@@ -4801,7 +4821,7 @@
           </a:ln>
           <a:extLst>
             <a:ext uri="{C572A759-6A51-4108-AA02-DFA0A04FC94B}">
-              <ma14:wrappingTextBoxFlag xmlns:ma14="http://schemas.microsoft.com/office/mac/drawingml/2011/main" val="1"/>
+              <ma14:wrappingTextBoxFlag xmlns:ma14="http://schemas.microsoft.com/office/mac/drawingml/2011/main" xmlns:a14="http://schemas.microsoft.com/office/drawing/2010/main" xmlns:m="http://schemas.openxmlformats.org/officeDocument/2006/math" xmlns="" val="1"/>
             </a:ext>
           </a:extLst>
         </p:spPr>
@@ -4821,7 +4841,6 @@
             </a:lvl1pPr>
           </a:lstStyle>
           <a:p>
-            <a:pPr/>
             <a:r>
               <a:t>Line</a:t>
             </a:r>
@@ -4836,7 +4855,7 @@
         </p:nvSpPr>
         <p:spPr>
           <a:xfrm>
-            <a:off x="11995581" y="8708890"/>
+            <a:off x="12251338" y="9221464"/>
             <a:ext cx="2355035" cy="657168"/>
           </a:xfrm>
           <a:prstGeom prst="rect">
@@ -4850,7 +4869,7 @@
           </a:ln>
           <a:extLst>
             <a:ext uri="{C572A759-6A51-4108-AA02-DFA0A04FC94B}">
-              <ma14:wrappingTextBoxFlag xmlns:ma14="http://schemas.microsoft.com/office/mac/drawingml/2011/main" val="1"/>
+              <ma14:wrappingTextBoxFlag xmlns:ma14="http://schemas.microsoft.com/office/mac/drawingml/2011/main" xmlns:a14="http://schemas.microsoft.com/office/drawing/2010/main" xmlns:m="http://schemas.openxmlformats.org/officeDocument/2006/math" xmlns="" val="1"/>
             </a:ext>
           </a:extLst>
         </p:spPr>
@@ -4870,7 +4889,6 @@
             </a:lvl1pPr>
           </a:lstStyle>
           <a:p>
-            <a:pPr/>
             <a:r>
               <a:t>trainSttus</a:t>
             </a:r>
@@ -4885,7 +4903,7 @@
         </p:nvSpPr>
         <p:spPr>
           <a:xfrm>
-            <a:off x="11995581" y="9614567"/>
+            <a:off x="12251338" y="10127141"/>
             <a:ext cx="2355035" cy="564296"/>
           </a:xfrm>
           <a:prstGeom prst="rect">
@@ -4899,7 +4917,7 @@
           </a:ln>
           <a:extLst>
             <a:ext uri="{C572A759-6A51-4108-AA02-DFA0A04FC94B}">
-              <ma14:wrappingTextBoxFlag xmlns:ma14="http://schemas.microsoft.com/office/mac/drawingml/2011/main" val="1"/>
+              <ma14:wrappingTextBoxFlag xmlns:ma14="http://schemas.microsoft.com/office/mac/drawingml/2011/main" xmlns:a14="http://schemas.microsoft.com/office/drawing/2010/main" xmlns:m="http://schemas.openxmlformats.org/officeDocument/2006/math" xmlns="" val="1"/>
             </a:ext>
           </a:extLst>
         </p:spPr>
@@ -4919,7 +4937,6 @@
             </a:lvl1pPr>
           </a:lstStyle>
           <a:p>
-            <a:pPr/>
             <a:r>
               <a:t>updnLine</a:t>
             </a:r>
@@ -4934,7 +4951,7 @@
         </p:nvSpPr>
         <p:spPr>
           <a:xfrm>
-            <a:off x="11995581" y="10427372"/>
+            <a:off x="12251338" y="10939946"/>
             <a:ext cx="2355035" cy="564296"/>
           </a:xfrm>
           <a:prstGeom prst="rect">
@@ -4948,7 +4965,7 @@
           </a:ln>
           <a:extLst>
             <a:ext uri="{C572A759-6A51-4108-AA02-DFA0A04FC94B}">
-              <ma14:wrappingTextBoxFlag xmlns:ma14="http://schemas.microsoft.com/office/mac/drawingml/2011/main" val="1"/>
+              <ma14:wrappingTextBoxFlag xmlns:ma14="http://schemas.microsoft.com/office/mac/drawingml/2011/main" xmlns:a14="http://schemas.microsoft.com/office/drawing/2010/main" xmlns:m="http://schemas.openxmlformats.org/officeDocument/2006/math" xmlns="" val="1"/>
             </a:ext>
           </a:extLst>
         </p:spPr>
@@ -4968,7 +4985,6 @@
             </a:lvl1pPr>
           </a:lstStyle>
           <a:p>
-            <a:pPr/>
             <a:r>
               <a:t>statnTnm</a:t>
             </a:r>
@@ -4997,7 +5013,7 @@
           </a:ln>
           <a:extLst>
             <a:ext uri="{C572A759-6A51-4108-AA02-DFA0A04FC94B}">
-              <ma14:wrappingTextBoxFlag xmlns:ma14="http://schemas.microsoft.com/office/mac/drawingml/2011/main" val="1"/>
+              <ma14:wrappingTextBoxFlag xmlns:ma14="http://schemas.microsoft.com/office/mac/drawingml/2011/main" xmlns:a14="http://schemas.microsoft.com/office/drawing/2010/main" xmlns:m="http://schemas.openxmlformats.org/officeDocument/2006/math" xmlns="" val="1"/>
             </a:ext>
           </a:extLst>
         </p:spPr>
@@ -5017,7 +5033,6 @@
             </a:lvl1pPr>
           </a:lstStyle>
           <a:p>
-            <a:pPr/>
             <a:r>
               <a:t>trainNo </a:t>
             </a:r>
@@ -5046,7 +5061,7 @@
           </a:ln>
           <a:extLst>
             <a:ext uri="{C572A759-6A51-4108-AA02-DFA0A04FC94B}">
-              <ma14:wrappingTextBoxFlag xmlns:ma14="http://schemas.microsoft.com/office/mac/drawingml/2011/main" val="1"/>
+              <ma14:wrappingTextBoxFlag xmlns:ma14="http://schemas.microsoft.com/office/mac/drawingml/2011/main" xmlns:a14="http://schemas.microsoft.com/office/drawing/2010/main" xmlns:m="http://schemas.openxmlformats.org/officeDocument/2006/math" xmlns="" val="1"/>
             </a:ext>
           </a:extLst>
         </p:spPr>
@@ -5066,7 +5081,6 @@
             </a:lvl1pPr>
           </a:lstStyle>
           <a:p>
-            <a:pPr/>
             <a:r>
               <a:t>Block </a:t>
             </a:r>
@@ -5095,7 +5109,7 @@
           </a:ln>
           <a:extLst>
             <a:ext uri="{C572A759-6A51-4108-AA02-DFA0A04FC94B}">
-              <ma14:wrappingTextBoxFlag xmlns:ma14="http://schemas.microsoft.com/office/mac/drawingml/2011/main" val="1"/>
+              <ma14:wrappingTextBoxFlag xmlns:ma14="http://schemas.microsoft.com/office/mac/drawingml/2011/main" xmlns:a14="http://schemas.microsoft.com/office/drawing/2010/main" xmlns:m="http://schemas.openxmlformats.org/officeDocument/2006/math" xmlns="" val="1"/>
             </a:ext>
           </a:extLst>
         </p:spPr>
@@ -5115,7 +5129,6 @@
             </a:lvl1pPr>
           </a:lstStyle>
           <a:p>
-            <a:pPr/>
             <a:r>
               <a:t>Seat </a:t>
             </a:r>
@@ -5144,7 +5157,7 @@
           </a:ln>
           <a:extLst>
             <a:ext uri="{C572A759-6A51-4108-AA02-DFA0A04FC94B}">
-              <ma14:wrappingTextBoxFlag xmlns:ma14="http://schemas.microsoft.com/office/mac/drawingml/2011/main" val="1"/>
+              <ma14:wrappingTextBoxFlag xmlns:ma14="http://schemas.microsoft.com/office/mac/drawingml/2011/main" xmlns:a14="http://schemas.microsoft.com/office/drawing/2010/main" xmlns:m="http://schemas.openxmlformats.org/officeDocument/2006/math" xmlns="" val="1"/>
             </a:ext>
           </a:extLst>
         </p:spPr>
@@ -5164,7 +5177,6 @@
             </a:lvl1pPr>
           </a:lstStyle>
           <a:p>
-            <a:pPr/>
             <a:r>
               <a:t>Status</a:t>
             </a:r>
@@ -5193,7 +5205,7 @@
           </a:ln>
           <a:extLst>
             <a:ext uri="{C572A759-6A51-4108-AA02-DFA0A04FC94B}">
-              <ma14:wrappingTextBoxFlag xmlns:ma14="http://schemas.microsoft.com/office/mac/drawingml/2011/main" val="1"/>
+              <ma14:wrappingTextBoxFlag xmlns:ma14="http://schemas.microsoft.com/office/mac/drawingml/2011/main" xmlns:a14="http://schemas.microsoft.com/office/drawing/2010/main" xmlns:m="http://schemas.openxmlformats.org/officeDocument/2006/math" xmlns="" val="1"/>
             </a:ext>
           </a:extLst>
         </p:spPr>
@@ -5213,7 +5225,6 @@
             </a:lvl1pPr>
           </a:lstStyle>
           <a:p>
-            <a:pPr/>
             <a:r>
               <a:t>userid</a:t>
             </a:r>
@@ -5242,7 +5253,7 @@
           </a:ln>
           <a:extLst>
             <a:ext uri="{C572A759-6A51-4108-AA02-DFA0A04FC94B}">
-              <ma14:wrappingTextBoxFlag xmlns:ma14="http://schemas.microsoft.com/office/mac/drawingml/2011/main" val="1"/>
+              <ma14:wrappingTextBoxFlag xmlns:ma14="http://schemas.microsoft.com/office/mac/drawingml/2011/main" xmlns:a14="http://schemas.microsoft.com/office/drawing/2010/main" xmlns:m="http://schemas.openxmlformats.org/officeDocument/2006/math" xmlns="" val="1"/>
             </a:ext>
           </a:extLst>
         </p:spPr>
@@ -5305,7 +5316,7 @@
           </a:ln>
           <a:extLst>
             <a:ext uri="{C572A759-6A51-4108-AA02-DFA0A04FC94B}">
-              <ma14:wrappingTextBoxFlag xmlns:ma14="http://schemas.microsoft.com/office/mac/drawingml/2011/main" val="1"/>
+              <ma14:wrappingTextBoxFlag xmlns:ma14="http://schemas.microsoft.com/office/mac/drawingml/2011/main" xmlns:a14="http://schemas.microsoft.com/office/drawing/2010/main" xmlns:m="http://schemas.openxmlformats.org/officeDocument/2006/math" xmlns="" val="1"/>
             </a:ext>
           </a:extLst>
         </p:spPr>
@@ -5351,12 +5362,12 @@
   <p:clrMapOvr>
     <a:masterClrMapping/>
   </p:clrMapOvr>
-  <p:transition xmlns:p14="http://schemas.microsoft.com/office/powerpoint/2010/main" spd="med" advClick="1"/>
+  <p:transition spd="med"/>
 </p:sld>
 </file>
 
 <file path=ppt/slides/slide3.xml><?xml version="1.0" encoding="utf-8"?>
-<p:sld xmlns:a="http://schemas.openxmlformats.org/drawingml/2006/main" xmlns:r="http://schemas.openxmlformats.org/officeDocument/2006/relationships" xmlns:p="http://schemas.openxmlformats.org/presentationml/2006/main" xmlns:m="http://schemas.openxmlformats.org/officeDocument/2006/math" xmlns:a14="http://schemas.microsoft.com/office/drawing/2010/main" showMasterSp="1" showMasterPhAnim="1">
+<p:sld xmlns:a="http://schemas.openxmlformats.org/drawingml/2006/main" xmlns:r="http://schemas.openxmlformats.org/officeDocument/2006/relationships" xmlns:p="http://schemas.openxmlformats.org/presentationml/2006/main">
   <p:cSld>
     <p:spTree>
       <p:nvGrpSpPr>
@@ -5397,7 +5408,7 @@
           <a:bodyPr lIns="50800" tIns="50800" rIns="50800" bIns="50800" anchor="ctr"/>
           <a:lstStyle/>
           <a:p>
-            <a:pPr/>
+            <a:endParaRPr/>
           </a:p>
         </p:txBody>
       </p:sp>
@@ -5423,7 +5434,7 @@
           </a:ln>
           <a:extLst>
             <a:ext uri="{C572A759-6A51-4108-AA02-DFA0A04FC94B}">
-              <ma14:wrappingTextBoxFlag xmlns:ma14="http://schemas.microsoft.com/office/mac/drawingml/2011/main" val="1"/>
+              <ma14:wrappingTextBoxFlag xmlns:ma14="http://schemas.microsoft.com/office/mac/drawingml/2011/main" xmlns:a14="http://schemas.microsoft.com/office/drawing/2010/main" xmlns:m="http://schemas.openxmlformats.org/officeDocument/2006/math" xmlns="" val="1"/>
             </a:ext>
           </a:extLst>
         </p:spPr>
@@ -5443,7 +5454,6 @@
             </a:lvl1pPr>
           </a:lstStyle>
           <a:p>
-            <a:pPr/>
             <a:r>
               <a:t>King: MJ</a:t>
             </a:r>
@@ -5472,7 +5482,7 @@
           </a:ln>
           <a:extLst>
             <a:ext uri="{C572A759-6A51-4108-AA02-DFA0A04FC94B}">
-              <ma14:wrappingTextBoxFlag xmlns:ma14="http://schemas.microsoft.com/office/mac/drawingml/2011/main" val="1"/>
+              <ma14:wrappingTextBoxFlag xmlns:ma14="http://schemas.microsoft.com/office/mac/drawingml/2011/main" xmlns:a14="http://schemas.microsoft.com/office/drawing/2010/main" xmlns:m="http://schemas.openxmlformats.org/officeDocument/2006/math" xmlns="" val="1"/>
             </a:ext>
           </a:extLst>
         </p:spPr>
@@ -5535,7 +5545,7 @@
           </a:ln>
           <a:extLst>
             <a:ext uri="{C572A759-6A51-4108-AA02-DFA0A04FC94B}">
-              <ma14:wrappingTextBoxFlag xmlns:ma14="http://schemas.microsoft.com/office/mac/drawingml/2011/main" val="1"/>
+              <ma14:wrappingTextBoxFlag xmlns:ma14="http://schemas.microsoft.com/office/mac/drawingml/2011/main" xmlns:a14="http://schemas.microsoft.com/office/drawing/2010/main" xmlns:m="http://schemas.openxmlformats.org/officeDocument/2006/math" xmlns="" val="1"/>
             </a:ext>
           </a:extLst>
         </p:spPr>
@@ -5601,7 +5611,7 @@
           <a:bodyPr lIns="50800" tIns="50800" rIns="50800" bIns="50800" anchor="ctr"/>
           <a:lstStyle/>
           <a:p>
-            <a:pPr/>
+            <a:endParaRPr/>
           </a:p>
         </p:txBody>
       </p:sp>
@@ -5610,12 +5620,12 @@
   <p:clrMapOvr>
     <a:masterClrMapping/>
   </p:clrMapOvr>
-  <p:transition xmlns:p14="http://schemas.microsoft.com/office/powerpoint/2010/main" spd="med" advClick="1"/>
+  <p:transition spd="med"/>
 </p:sld>
 </file>
 
 <file path=ppt/slides/slide4.xml><?xml version="1.0" encoding="utf-8"?>
-<p:sld xmlns:a="http://schemas.openxmlformats.org/drawingml/2006/main" xmlns:r="http://schemas.openxmlformats.org/officeDocument/2006/relationships" xmlns:p="http://schemas.openxmlformats.org/presentationml/2006/main" xmlns:m="http://schemas.openxmlformats.org/officeDocument/2006/math" xmlns:a14="http://schemas.microsoft.com/office/drawing/2010/main" showMasterSp="1" showMasterPhAnim="1">
+<p:sld xmlns:a="http://schemas.openxmlformats.org/drawingml/2006/main" xmlns:r="http://schemas.openxmlformats.org/officeDocument/2006/relationships" xmlns:p="http://schemas.openxmlformats.org/presentationml/2006/main">
   <p:cSld>
     <p:spTree>
       <p:nvGrpSpPr>
@@ -5640,9 +5650,7 @@
           <p:nvPr/>
         </p:nvPicPr>
         <p:blipFill>
-          <a:blip r:embed="rId2">
-            <a:extLst/>
-          </a:blip>
+          <a:blip r:embed="rId2"/>
           <a:stretch>
             <a:fillRect/>
           </a:stretch>
@@ -5665,12 +5673,12 @@
   <p:clrMapOvr>
     <a:masterClrMapping/>
   </p:clrMapOvr>
-  <p:transition xmlns:p14="http://schemas.microsoft.com/office/powerpoint/2010/main" spd="med" advClick="1"/>
+  <p:transition spd="med"/>
 </p:sld>
 </file>
 
 <file path=ppt/slides/slide5.xml><?xml version="1.0" encoding="utf-8"?>
-<p:sld xmlns:a="http://schemas.openxmlformats.org/drawingml/2006/main" xmlns:r="http://schemas.openxmlformats.org/officeDocument/2006/relationships" xmlns:p="http://schemas.openxmlformats.org/presentationml/2006/main" xmlns:m="http://schemas.openxmlformats.org/officeDocument/2006/math" xmlns:a14="http://schemas.microsoft.com/office/drawing/2010/main" showMasterSp="1" showMasterPhAnim="1">
+<p:sld xmlns:a="http://schemas.openxmlformats.org/drawingml/2006/main" xmlns:r="http://schemas.openxmlformats.org/officeDocument/2006/relationships" xmlns:p="http://schemas.openxmlformats.org/presentationml/2006/main">
   <p:cSld>
     <p:spTree>
       <p:nvGrpSpPr>
@@ -5711,7 +5719,7 @@
           <a:bodyPr lIns="50800" tIns="50800" rIns="50800" bIns="50800" anchor="ctr"/>
           <a:lstStyle/>
           <a:p>
-            <a:pPr/>
+            <a:endParaRPr/>
           </a:p>
         </p:txBody>
       </p:sp>
@@ -5753,6 +5761,7 @@
                 <a:sym typeface="Helvetica Neue Medium"/>
               </a:defRPr>
             </a:pPr>
+            <a:endParaRPr/>
           </a:p>
         </p:txBody>
       </p:sp>
@@ -5794,6 +5803,7 @@
                 <a:sym typeface="Helvetica Neue Medium"/>
               </a:defRPr>
             </a:pPr>
+            <a:endParaRPr/>
           </a:p>
         </p:txBody>
       </p:sp>
@@ -5835,6 +5845,7 @@
                 <a:sym typeface="Helvetica Neue Medium"/>
               </a:defRPr>
             </a:pPr>
+            <a:endParaRPr/>
           </a:p>
         </p:txBody>
       </p:sp>
@@ -5874,6 +5885,7 @@
                 <a:sym typeface="Helvetica Neue Medium"/>
               </a:defRPr>
             </a:pPr>
+            <a:endParaRPr/>
           </a:p>
         </p:txBody>
       </p:sp>
@@ -5913,6 +5925,7 @@
                 <a:sym typeface="Helvetica Neue Medium"/>
               </a:defRPr>
             </a:pPr>
+            <a:endParaRPr/>
           </a:p>
         </p:txBody>
       </p:sp>
@@ -5921,12 +5934,12 @@
   <p:clrMapOvr>
     <a:masterClrMapping/>
   </p:clrMapOvr>
-  <p:transition xmlns:p14="http://schemas.microsoft.com/office/powerpoint/2010/main" spd="med" advClick="1"/>
+  <p:transition spd="med"/>
 </p:sld>
 </file>
 
 <file path=ppt/theme/theme1.xml><?xml version="1.0" encoding="utf-8"?>
-<a:theme xmlns:a="http://schemas.openxmlformats.org/drawingml/2006/main" xmlns:r="http://schemas.openxmlformats.org/officeDocument/2006/relationships" name="21_BasicWhite">
+<a:theme xmlns:a="http://schemas.openxmlformats.org/drawingml/2006/main" name="21_BasicWhite">
   <a:themeElements>
     <a:clrScheme name="21_BasicWhite">
       <a:dk1>
@@ -6125,7 +6138,7 @@
         <a:effectLst/>
         <a:sp3d/>
       </a:spPr>
-      <a:bodyPr rot="0" spcFirstLastPara="1" vertOverflow="overflow" horzOverflow="overflow" vert="horz" wrap="square" lIns="50800" tIns="50800" rIns="50800" bIns="50800" numCol="1" spcCol="38100" rtlCol="0" anchor="ctr" upright="0">
+      <a:bodyPr rot="0" spcFirstLastPara="1" vertOverflow="overflow" horzOverflow="overflow" vert="horz" wrap="square" lIns="50800" tIns="50800" rIns="50800" bIns="50800" numCol="1" spcCol="38100" rtlCol="0" anchor="ctr">
         <a:spAutoFit/>
       </a:bodyPr>
       <a:lstStyle>
@@ -6144,7 +6157,7 @@
           <a:buFontTx/>
           <a:buNone/>
           <a:tabLst/>
-          <a:defRPr b="0" baseline="0" cap="none" i="0" spc="0" strike="noStrike" sz="3200" u="none" kumimoji="0" normalizeH="0">
+          <a:defRPr kumimoji="0" sz="3200" b="0" i="0" u="none" strike="noStrike" cap="none" spc="0" normalizeH="0" baseline="0">
             <a:ln>
               <a:noFill/>
             </a:ln>
@@ -6174,7 +6187,7 @@
           <a:buFontTx/>
           <a:buNone/>
           <a:tabLst/>
-          <a:defRPr b="0" baseline="0" cap="none" i="0" spc="0" strike="noStrike" sz="1800" u="none" kumimoji="0" normalizeH="0">
+          <a:defRPr kumimoji="0" sz="1800" b="0" i="0" u="none" strike="noStrike" cap="none" spc="0" normalizeH="0" baseline="0">
             <a:ln>
               <a:noFill/>
             </a:ln>
@@ -6200,7 +6213,7 @@
           <a:buFontTx/>
           <a:buNone/>
           <a:tabLst/>
-          <a:defRPr b="0" baseline="0" cap="none" i="0" spc="0" strike="noStrike" sz="1800" u="none" kumimoji="0" normalizeH="0">
+          <a:defRPr kumimoji="0" sz="1800" b="0" i="0" u="none" strike="noStrike" cap="none" spc="0" normalizeH="0" baseline="0">
             <a:ln>
               <a:noFill/>
             </a:ln>
@@ -6226,7 +6239,7 @@
           <a:buFontTx/>
           <a:buNone/>
           <a:tabLst/>
-          <a:defRPr b="0" baseline="0" cap="none" i="0" spc="0" strike="noStrike" sz="1800" u="none" kumimoji="0" normalizeH="0">
+          <a:defRPr kumimoji="0" sz="1800" b="0" i="0" u="none" strike="noStrike" cap="none" spc="0" normalizeH="0" baseline="0">
             <a:ln>
               <a:noFill/>
             </a:ln>
@@ -6252,7 +6265,7 @@
           <a:buFontTx/>
           <a:buNone/>
           <a:tabLst/>
-          <a:defRPr b="0" baseline="0" cap="none" i="0" spc="0" strike="noStrike" sz="1800" u="none" kumimoji="0" normalizeH="0">
+          <a:defRPr kumimoji="0" sz="1800" b="0" i="0" u="none" strike="noStrike" cap="none" spc="0" normalizeH="0" baseline="0">
             <a:ln>
               <a:noFill/>
             </a:ln>
@@ -6278,7 +6291,7 @@
           <a:buFontTx/>
           <a:buNone/>
           <a:tabLst/>
-          <a:defRPr b="0" baseline="0" cap="none" i="0" spc="0" strike="noStrike" sz="1800" u="none" kumimoji="0" normalizeH="0">
+          <a:defRPr kumimoji="0" sz="1800" b="0" i="0" u="none" strike="noStrike" cap="none" spc="0" normalizeH="0" baseline="0">
             <a:ln>
               <a:noFill/>
             </a:ln>
@@ -6304,7 +6317,7 @@
           <a:buFontTx/>
           <a:buNone/>
           <a:tabLst/>
-          <a:defRPr b="0" baseline="0" cap="none" i="0" spc="0" strike="noStrike" sz="1800" u="none" kumimoji="0" normalizeH="0">
+          <a:defRPr kumimoji="0" sz="1800" b="0" i="0" u="none" strike="noStrike" cap="none" spc="0" normalizeH="0" baseline="0">
             <a:ln>
               <a:noFill/>
             </a:ln>
@@ -6330,7 +6343,7 @@
           <a:buFontTx/>
           <a:buNone/>
           <a:tabLst/>
-          <a:defRPr b="0" baseline="0" cap="none" i="0" spc="0" strike="noStrike" sz="1800" u="none" kumimoji="0" normalizeH="0">
+          <a:defRPr kumimoji="0" sz="1800" b="0" i="0" u="none" strike="noStrike" cap="none" spc="0" normalizeH="0" baseline="0">
             <a:ln>
               <a:noFill/>
             </a:ln>
@@ -6356,7 +6369,7 @@
           <a:buFontTx/>
           <a:buNone/>
           <a:tabLst/>
-          <a:defRPr b="0" baseline="0" cap="none" i="0" spc="0" strike="noStrike" sz="1800" u="none" kumimoji="0" normalizeH="0">
+          <a:defRPr kumimoji="0" sz="1800" b="0" i="0" u="none" strike="noStrike" cap="none" spc="0" normalizeH="0" baseline="0">
             <a:ln>
               <a:noFill/>
             </a:ln>
@@ -6382,7 +6395,7 @@
           <a:buFontTx/>
           <a:buNone/>
           <a:tabLst/>
-          <a:defRPr b="0" baseline="0" cap="none" i="0" spc="0" strike="noStrike" sz="1800" u="none" kumimoji="0" normalizeH="0">
+          <a:defRPr kumimoji="0" sz="1800" b="0" i="0" u="none" strike="noStrike" cap="none" spc="0" normalizeH="0" baseline="0">
             <a:ln>
               <a:noFill/>
             </a:ln>
@@ -6395,9 +6408,15 @@
         </a:lvl9pPr>
       </a:lstStyle>
       <a:style>
-        <a:lnRef idx="0"/>
-        <a:fillRef idx="0"/>
-        <a:effectRef idx="0"/>
+        <a:lnRef idx="0">
+          <a:scrgbClr r="0" g="0" b="0"/>
+        </a:lnRef>
+        <a:fillRef idx="0">
+          <a:scrgbClr r="0" g="0" b="0"/>
+        </a:fillRef>
+        <a:effectRef idx="0">
+          <a:scrgbClr r="0" g="0" b="0"/>
+        </a:effectRef>
         <a:fontRef idx="none"/>
       </a:style>
     </a:spDef>
@@ -6414,7 +6433,7 @@
         <a:effectLst/>
         <a:sp3d/>
       </a:spPr>
-      <a:bodyPr rot="0" spcFirstLastPara="1" vertOverflow="overflow" horzOverflow="overflow" vert="horz" wrap="square" lIns="91439" tIns="45719" rIns="91439" bIns="45719" numCol="1" spcCol="38100" rtlCol="0" anchor="t" upright="0">
+      <a:bodyPr rot="0" spcFirstLastPara="1" vertOverflow="overflow" horzOverflow="overflow" vert="horz" wrap="square" lIns="91439" tIns="45719" rIns="91439" bIns="45719" numCol="1" spcCol="38100" rtlCol="0" anchor="t">
         <a:noAutofit/>
       </a:bodyPr>
       <a:lstStyle>
@@ -6433,7 +6452,7 @@
           <a:buFontTx/>
           <a:buNone/>
           <a:tabLst/>
-          <a:defRPr b="0" baseline="0" cap="none" i="0" spc="0" strike="noStrike" sz="1800" u="none" kumimoji="0" normalizeH="0">
+          <a:defRPr kumimoji="0" sz="1800" b="0" i="0" u="none" strike="noStrike" cap="none" spc="0" normalizeH="0" baseline="0">
             <a:ln>
               <a:noFill/>
             </a:ln>
@@ -6459,7 +6478,7 @@
           <a:buFontTx/>
           <a:buNone/>
           <a:tabLst/>
-          <a:defRPr b="0" baseline="0" cap="none" i="0" spc="0" strike="noStrike" sz="1800" u="none" kumimoji="0" normalizeH="0">
+          <a:defRPr kumimoji="0" sz="1800" b="0" i="0" u="none" strike="noStrike" cap="none" spc="0" normalizeH="0" baseline="0">
             <a:ln>
               <a:noFill/>
             </a:ln>
@@ -6485,7 +6504,7 @@
           <a:buFontTx/>
           <a:buNone/>
           <a:tabLst/>
-          <a:defRPr b="0" baseline="0" cap="none" i="0" spc="0" strike="noStrike" sz="1800" u="none" kumimoji="0" normalizeH="0">
+          <a:defRPr kumimoji="0" sz="1800" b="0" i="0" u="none" strike="noStrike" cap="none" spc="0" normalizeH="0" baseline="0">
             <a:ln>
               <a:noFill/>
             </a:ln>
@@ -6511,7 +6530,7 @@
           <a:buFontTx/>
           <a:buNone/>
           <a:tabLst/>
-          <a:defRPr b="0" baseline="0" cap="none" i="0" spc="0" strike="noStrike" sz="1800" u="none" kumimoji="0" normalizeH="0">
+          <a:defRPr kumimoji="0" sz="1800" b="0" i="0" u="none" strike="noStrike" cap="none" spc="0" normalizeH="0" baseline="0">
             <a:ln>
               <a:noFill/>
             </a:ln>
@@ -6537,7 +6556,7 @@
           <a:buFontTx/>
           <a:buNone/>
           <a:tabLst/>
-          <a:defRPr b="0" baseline="0" cap="none" i="0" spc="0" strike="noStrike" sz="1800" u="none" kumimoji="0" normalizeH="0">
+          <a:defRPr kumimoji="0" sz="1800" b="0" i="0" u="none" strike="noStrike" cap="none" spc="0" normalizeH="0" baseline="0">
             <a:ln>
               <a:noFill/>
             </a:ln>
@@ -6563,7 +6582,7 @@
           <a:buFontTx/>
           <a:buNone/>
           <a:tabLst/>
-          <a:defRPr b="0" baseline="0" cap="none" i="0" spc="0" strike="noStrike" sz="1800" u="none" kumimoji="0" normalizeH="0">
+          <a:defRPr kumimoji="0" sz="1800" b="0" i="0" u="none" strike="noStrike" cap="none" spc="0" normalizeH="0" baseline="0">
             <a:ln>
               <a:noFill/>
             </a:ln>
@@ -6589,7 +6608,7 @@
           <a:buFontTx/>
           <a:buNone/>
           <a:tabLst/>
-          <a:defRPr b="0" baseline="0" cap="none" i="0" spc="0" strike="noStrike" sz="1800" u="none" kumimoji="0" normalizeH="0">
+          <a:defRPr kumimoji="0" sz="1800" b="0" i="0" u="none" strike="noStrike" cap="none" spc="0" normalizeH="0" baseline="0">
             <a:ln>
               <a:noFill/>
             </a:ln>
@@ -6615,7 +6634,7 @@
           <a:buFontTx/>
           <a:buNone/>
           <a:tabLst/>
-          <a:defRPr b="0" baseline="0" cap="none" i="0" spc="0" strike="noStrike" sz="1800" u="none" kumimoji="0" normalizeH="0">
+          <a:defRPr kumimoji="0" sz="1800" b="0" i="0" u="none" strike="noStrike" cap="none" spc="0" normalizeH="0" baseline="0">
             <a:ln>
               <a:noFill/>
             </a:ln>
@@ -6641,7 +6660,7 @@
           <a:buFontTx/>
           <a:buNone/>
           <a:tabLst/>
-          <a:defRPr b="0" baseline="0" cap="none" i="0" spc="0" strike="noStrike" sz="1800" u="none" kumimoji="0" normalizeH="0">
+          <a:defRPr kumimoji="0" sz="1800" b="0" i="0" u="none" strike="noStrike" cap="none" spc="0" normalizeH="0" baseline="0">
             <a:ln>
               <a:noFill/>
             </a:ln>
@@ -6667,7 +6686,7 @@
           <a:buFontTx/>
           <a:buNone/>
           <a:tabLst/>
-          <a:defRPr b="0" baseline="0" cap="none" i="0" spc="0" strike="noStrike" sz="1800" u="none" kumimoji="0" normalizeH="0">
+          <a:defRPr kumimoji="0" sz="1800" b="0" i="0" u="none" strike="noStrike" cap="none" spc="0" normalizeH="0" baseline="0">
             <a:ln>
               <a:noFill/>
             </a:ln>
@@ -6680,9 +6699,15 @@
         </a:lvl9pPr>
       </a:lstStyle>
       <a:style>
-        <a:lnRef idx="0"/>
-        <a:fillRef idx="0"/>
-        <a:effectRef idx="0"/>
+        <a:lnRef idx="0">
+          <a:scrgbClr r="0" g="0" b="0"/>
+        </a:lnRef>
+        <a:fillRef idx="0">
+          <a:scrgbClr r="0" g="0" b="0"/>
+        </a:fillRef>
+        <a:effectRef idx="0">
+          <a:scrgbClr r="0" g="0" b="0"/>
+        </a:effectRef>
         <a:fontRef idx="none"/>
       </a:style>
     </a:lnDef>
@@ -6696,7 +6721,7 @@
         <a:effectLst/>
         <a:sp3d/>
       </a:spPr>
-      <a:bodyPr rot="0" spcFirstLastPara="1" vertOverflow="overflow" horzOverflow="overflow" vert="horz" wrap="square" lIns="50800" tIns="50800" rIns="50800" bIns="50800" numCol="1" spcCol="38100" rtlCol="0" anchor="ctr" upright="0">
+      <a:bodyPr rot="0" spcFirstLastPara="1" vertOverflow="overflow" horzOverflow="overflow" vert="horz" wrap="square" lIns="50800" tIns="50800" rIns="50800" bIns="50800" numCol="1" spcCol="38100" rtlCol="0" anchor="ctr">
         <a:spAutoFit/>
       </a:bodyPr>
       <a:lstStyle>
@@ -6715,7 +6740,7 @@
           <a:buFontTx/>
           <a:buNone/>
           <a:tabLst/>
-          <a:defRPr b="0" baseline="0" cap="none" i="0" spc="0" strike="noStrike" sz="2400" u="none" kumimoji="0" normalizeH="0">
+          <a:defRPr kumimoji="0" sz="2400" b="0" i="0" u="none" strike="noStrike" cap="none" spc="0" normalizeH="0" baseline="0">
             <a:ln>
               <a:noFill/>
             </a:ln>
@@ -6745,7 +6770,7 @@
           <a:buFontTx/>
           <a:buNone/>
           <a:tabLst/>
-          <a:defRPr b="0" baseline="0" cap="none" i="0" spc="0" strike="noStrike" sz="1800" u="none" kumimoji="0" normalizeH="0">
+          <a:defRPr kumimoji="0" sz="1800" b="0" i="0" u="none" strike="noStrike" cap="none" spc="0" normalizeH="0" baseline="0">
             <a:ln>
               <a:noFill/>
             </a:ln>
@@ -6771,7 +6796,7 @@
           <a:buFontTx/>
           <a:buNone/>
           <a:tabLst/>
-          <a:defRPr b="0" baseline="0" cap="none" i="0" spc="0" strike="noStrike" sz="1800" u="none" kumimoji="0" normalizeH="0">
+          <a:defRPr kumimoji="0" sz="1800" b="0" i="0" u="none" strike="noStrike" cap="none" spc="0" normalizeH="0" baseline="0">
             <a:ln>
               <a:noFill/>
             </a:ln>
@@ -6797,7 +6822,7 @@
           <a:buFontTx/>
           <a:buNone/>
           <a:tabLst/>
-          <a:defRPr b="0" baseline="0" cap="none" i="0" spc="0" strike="noStrike" sz="1800" u="none" kumimoji="0" normalizeH="0">
+          <a:defRPr kumimoji="0" sz="1800" b="0" i="0" u="none" strike="noStrike" cap="none" spc="0" normalizeH="0" baseline="0">
             <a:ln>
               <a:noFill/>
             </a:ln>
@@ -6823,7 +6848,7 @@
           <a:buFontTx/>
           <a:buNone/>
           <a:tabLst/>
-          <a:defRPr b="0" baseline="0" cap="none" i="0" spc="0" strike="noStrike" sz="1800" u="none" kumimoji="0" normalizeH="0">
+          <a:defRPr kumimoji="0" sz="1800" b="0" i="0" u="none" strike="noStrike" cap="none" spc="0" normalizeH="0" baseline="0">
             <a:ln>
               <a:noFill/>
             </a:ln>
@@ -6849,7 +6874,7 @@
           <a:buFontTx/>
           <a:buNone/>
           <a:tabLst/>
-          <a:defRPr b="0" baseline="0" cap="none" i="0" spc="0" strike="noStrike" sz="1800" u="none" kumimoji="0" normalizeH="0">
+          <a:defRPr kumimoji="0" sz="1800" b="0" i="0" u="none" strike="noStrike" cap="none" spc="0" normalizeH="0" baseline="0">
             <a:ln>
               <a:noFill/>
             </a:ln>
@@ -6875,7 +6900,7 @@
           <a:buFontTx/>
           <a:buNone/>
           <a:tabLst/>
-          <a:defRPr b="0" baseline="0" cap="none" i="0" spc="0" strike="noStrike" sz="1800" u="none" kumimoji="0" normalizeH="0">
+          <a:defRPr kumimoji="0" sz="1800" b="0" i="0" u="none" strike="noStrike" cap="none" spc="0" normalizeH="0" baseline="0">
             <a:ln>
               <a:noFill/>
             </a:ln>
@@ -6901,7 +6926,7 @@
           <a:buFontTx/>
           <a:buNone/>
           <a:tabLst/>
-          <a:defRPr b="0" baseline="0" cap="none" i="0" spc="0" strike="noStrike" sz="1800" u="none" kumimoji="0" normalizeH="0">
+          <a:defRPr kumimoji="0" sz="1800" b="0" i="0" u="none" strike="noStrike" cap="none" spc="0" normalizeH="0" baseline="0">
             <a:ln>
               <a:noFill/>
             </a:ln>
@@ -6927,7 +6952,7 @@
           <a:buFontTx/>
           <a:buNone/>
           <a:tabLst/>
-          <a:defRPr b="0" baseline="0" cap="none" i="0" spc="0" strike="noStrike" sz="1800" u="none" kumimoji="0" normalizeH="0">
+          <a:defRPr kumimoji="0" sz="1800" b="0" i="0" u="none" strike="noStrike" cap="none" spc="0" normalizeH="0" baseline="0">
             <a:ln>
               <a:noFill/>
             </a:ln>
@@ -6953,7 +6978,7 @@
           <a:buFontTx/>
           <a:buNone/>
           <a:tabLst/>
-          <a:defRPr b="0" baseline="0" cap="none" i="0" spc="0" strike="noStrike" sz="1800" u="none" kumimoji="0" normalizeH="0">
+          <a:defRPr kumimoji="0" sz="1800" b="0" i="0" u="none" strike="noStrike" cap="none" spc="0" normalizeH="0" baseline="0">
             <a:ln>
               <a:noFill/>
             </a:ln>
@@ -6966,18 +6991,25 @@
         </a:lvl9pPr>
       </a:lstStyle>
       <a:style>
-        <a:lnRef idx="0"/>
-        <a:fillRef idx="0"/>
-        <a:effectRef idx="0"/>
+        <a:lnRef idx="0">
+          <a:scrgbClr r="0" g="0" b="0"/>
+        </a:lnRef>
+        <a:fillRef idx="0">
+          <a:scrgbClr r="0" g="0" b="0"/>
+        </a:fillRef>
+        <a:effectRef idx="0">
+          <a:scrgbClr r="0" g="0" b="0"/>
+        </a:effectRef>
         <a:fontRef idx="none"/>
       </a:style>
     </a:txDef>
   </a:objectDefaults>
+  <a:extraClrSchemeLst/>
 </a:theme>
 </file>
 
 <file path=ppt/theme/theme2.xml><?xml version="1.0" encoding="utf-8"?>
-<a:theme xmlns:a="http://schemas.openxmlformats.org/drawingml/2006/main" xmlns:r="http://schemas.openxmlformats.org/officeDocument/2006/relationships" name="21_BasicWhite">
+<a:theme xmlns:a="http://schemas.openxmlformats.org/drawingml/2006/main" name="21_BasicWhite">
   <a:themeElements>
     <a:clrScheme name="21_BasicWhite">
       <a:dk1>
@@ -7176,7 +7208,7 @@
         <a:effectLst/>
         <a:sp3d/>
       </a:spPr>
-      <a:bodyPr rot="0" spcFirstLastPara="1" vertOverflow="overflow" horzOverflow="overflow" vert="horz" wrap="square" lIns="50800" tIns="50800" rIns="50800" bIns="50800" numCol="1" spcCol="38100" rtlCol="0" anchor="ctr" upright="0">
+      <a:bodyPr rot="0" spcFirstLastPara="1" vertOverflow="overflow" horzOverflow="overflow" vert="horz" wrap="square" lIns="50800" tIns="50800" rIns="50800" bIns="50800" numCol="1" spcCol="38100" rtlCol="0" anchor="ctr">
         <a:spAutoFit/>
       </a:bodyPr>
       <a:lstStyle>
@@ -7195,7 +7227,7 @@
           <a:buFontTx/>
           <a:buNone/>
           <a:tabLst/>
-          <a:defRPr b="0" baseline="0" cap="none" i="0" spc="0" strike="noStrike" sz="3200" u="none" kumimoji="0" normalizeH="0">
+          <a:defRPr kumimoji="0" sz="3200" b="0" i="0" u="none" strike="noStrike" cap="none" spc="0" normalizeH="0" baseline="0">
             <a:ln>
               <a:noFill/>
             </a:ln>
@@ -7225,7 +7257,7 @@
           <a:buFontTx/>
           <a:buNone/>
           <a:tabLst/>
-          <a:defRPr b="0" baseline="0" cap="none" i="0" spc="0" strike="noStrike" sz="1800" u="none" kumimoji="0" normalizeH="0">
+          <a:defRPr kumimoji="0" sz="1800" b="0" i="0" u="none" strike="noStrike" cap="none" spc="0" normalizeH="0" baseline="0">
             <a:ln>
               <a:noFill/>
             </a:ln>
@@ -7251,7 +7283,7 @@
           <a:buFontTx/>
           <a:buNone/>
           <a:tabLst/>
-          <a:defRPr b="0" baseline="0" cap="none" i="0" spc="0" strike="noStrike" sz="1800" u="none" kumimoji="0" normalizeH="0">
+          <a:defRPr kumimoji="0" sz="1800" b="0" i="0" u="none" strike="noStrike" cap="none" spc="0" normalizeH="0" baseline="0">
             <a:ln>
               <a:noFill/>
             </a:ln>
@@ -7277,7 +7309,7 @@
           <a:buFontTx/>
           <a:buNone/>
           <a:tabLst/>
-          <a:defRPr b="0" baseline="0" cap="none" i="0" spc="0" strike="noStrike" sz="1800" u="none" kumimoji="0" normalizeH="0">
+          <a:defRPr kumimoji="0" sz="1800" b="0" i="0" u="none" strike="noStrike" cap="none" spc="0" normalizeH="0" baseline="0">
             <a:ln>
               <a:noFill/>
             </a:ln>
@@ -7303,7 +7335,7 @@
           <a:buFontTx/>
           <a:buNone/>
           <a:tabLst/>
-          <a:defRPr b="0" baseline="0" cap="none" i="0" spc="0" strike="noStrike" sz="1800" u="none" kumimoji="0" normalizeH="0">
+          <a:defRPr kumimoji="0" sz="1800" b="0" i="0" u="none" strike="noStrike" cap="none" spc="0" normalizeH="0" baseline="0">
             <a:ln>
               <a:noFill/>
             </a:ln>
@@ -7329,7 +7361,7 @@
           <a:buFontTx/>
           <a:buNone/>
           <a:tabLst/>
-          <a:defRPr b="0" baseline="0" cap="none" i="0" spc="0" strike="noStrike" sz="1800" u="none" kumimoji="0" normalizeH="0">
+          <a:defRPr kumimoji="0" sz="1800" b="0" i="0" u="none" strike="noStrike" cap="none" spc="0" normalizeH="0" baseline="0">
             <a:ln>
               <a:noFill/>
             </a:ln>
@@ -7355,7 +7387,7 @@
           <a:buFontTx/>
           <a:buNone/>
           <a:tabLst/>
-          <a:defRPr b="0" baseline="0" cap="none" i="0" spc="0" strike="noStrike" sz="1800" u="none" kumimoji="0" normalizeH="0">
+          <a:defRPr kumimoji="0" sz="1800" b="0" i="0" u="none" strike="noStrike" cap="none" spc="0" normalizeH="0" baseline="0">
             <a:ln>
               <a:noFill/>
             </a:ln>
@@ -7381,7 +7413,7 @@
           <a:buFontTx/>
           <a:buNone/>
           <a:tabLst/>
-          <a:defRPr b="0" baseline="0" cap="none" i="0" spc="0" strike="noStrike" sz="1800" u="none" kumimoji="0" normalizeH="0">
+          <a:defRPr kumimoji="0" sz="1800" b="0" i="0" u="none" strike="noStrike" cap="none" spc="0" normalizeH="0" baseline="0">
             <a:ln>
               <a:noFill/>
             </a:ln>
@@ -7407,7 +7439,7 @@
           <a:buFontTx/>
           <a:buNone/>
           <a:tabLst/>
-          <a:defRPr b="0" baseline="0" cap="none" i="0" spc="0" strike="noStrike" sz="1800" u="none" kumimoji="0" normalizeH="0">
+          <a:defRPr kumimoji="0" sz="1800" b="0" i="0" u="none" strike="noStrike" cap="none" spc="0" normalizeH="0" baseline="0">
             <a:ln>
               <a:noFill/>
             </a:ln>
@@ -7433,7 +7465,7 @@
           <a:buFontTx/>
           <a:buNone/>
           <a:tabLst/>
-          <a:defRPr b="0" baseline="0" cap="none" i="0" spc="0" strike="noStrike" sz="1800" u="none" kumimoji="0" normalizeH="0">
+          <a:defRPr kumimoji="0" sz="1800" b="0" i="0" u="none" strike="noStrike" cap="none" spc="0" normalizeH="0" baseline="0">
             <a:ln>
               <a:noFill/>
             </a:ln>
@@ -7446,9 +7478,15 @@
         </a:lvl9pPr>
       </a:lstStyle>
       <a:style>
-        <a:lnRef idx="0"/>
-        <a:fillRef idx="0"/>
-        <a:effectRef idx="0"/>
+        <a:lnRef idx="0">
+          <a:scrgbClr r="0" g="0" b="0"/>
+        </a:lnRef>
+        <a:fillRef idx="0">
+          <a:scrgbClr r="0" g="0" b="0"/>
+        </a:fillRef>
+        <a:effectRef idx="0">
+          <a:scrgbClr r="0" g="0" b="0"/>
+        </a:effectRef>
         <a:fontRef idx="none"/>
       </a:style>
     </a:spDef>
@@ -7465,7 +7503,7 @@
         <a:effectLst/>
         <a:sp3d/>
       </a:spPr>
-      <a:bodyPr rot="0" spcFirstLastPara="1" vertOverflow="overflow" horzOverflow="overflow" vert="horz" wrap="square" lIns="91439" tIns="45719" rIns="91439" bIns="45719" numCol="1" spcCol="38100" rtlCol="0" anchor="t" upright="0">
+      <a:bodyPr rot="0" spcFirstLastPara="1" vertOverflow="overflow" horzOverflow="overflow" vert="horz" wrap="square" lIns="91439" tIns="45719" rIns="91439" bIns="45719" numCol="1" spcCol="38100" rtlCol="0" anchor="t">
         <a:noAutofit/>
       </a:bodyPr>
       <a:lstStyle>
@@ -7484,7 +7522,7 @@
           <a:buFontTx/>
           <a:buNone/>
           <a:tabLst/>
-          <a:defRPr b="0" baseline="0" cap="none" i="0" spc="0" strike="noStrike" sz="1800" u="none" kumimoji="0" normalizeH="0">
+          <a:defRPr kumimoji="0" sz="1800" b="0" i="0" u="none" strike="noStrike" cap="none" spc="0" normalizeH="0" baseline="0">
             <a:ln>
               <a:noFill/>
             </a:ln>
@@ -7510,7 +7548,7 @@
           <a:buFontTx/>
           <a:buNone/>
           <a:tabLst/>
-          <a:defRPr b="0" baseline="0" cap="none" i="0" spc="0" strike="noStrike" sz="1800" u="none" kumimoji="0" normalizeH="0">
+          <a:defRPr kumimoji="0" sz="1800" b="0" i="0" u="none" strike="noStrike" cap="none" spc="0" normalizeH="0" baseline="0">
             <a:ln>
               <a:noFill/>
             </a:ln>
@@ -7536,7 +7574,7 @@
           <a:buFontTx/>
           <a:buNone/>
           <a:tabLst/>
-          <a:defRPr b="0" baseline="0" cap="none" i="0" spc="0" strike="noStrike" sz="1800" u="none" kumimoji="0" normalizeH="0">
+          <a:defRPr kumimoji="0" sz="1800" b="0" i="0" u="none" strike="noStrike" cap="none" spc="0" normalizeH="0" baseline="0">
             <a:ln>
               <a:noFill/>
             </a:ln>
@@ -7562,7 +7600,7 @@
           <a:buFontTx/>
           <a:buNone/>
           <a:tabLst/>
-          <a:defRPr b="0" baseline="0" cap="none" i="0" spc="0" strike="noStrike" sz="1800" u="none" kumimoji="0" normalizeH="0">
+          <a:defRPr kumimoji="0" sz="1800" b="0" i="0" u="none" strike="noStrike" cap="none" spc="0" normalizeH="0" baseline="0">
             <a:ln>
               <a:noFill/>
             </a:ln>
@@ -7588,7 +7626,7 @@
           <a:buFontTx/>
           <a:buNone/>
           <a:tabLst/>
-          <a:defRPr b="0" baseline="0" cap="none" i="0" spc="0" strike="noStrike" sz="1800" u="none" kumimoji="0" normalizeH="0">
+          <a:defRPr kumimoji="0" sz="1800" b="0" i="0" u="none" strike="noStrike" cap="none" spc="0" normalizeH="0" baseline="0">
             <a:ln>
               <a:noFill/>
             </a:ln>
@@ -7614,7 +7652,7 @@
           <a:buFontTx/>
           <a:buNone/>
           <a:tabLst/>
-          <a:defRPr b="0" baseline="0" cap="none" i="0" spc="0" strike="noStrike" sz="1800" u="none" kumimoji="0" normalizeH="0">
+          <a:defRPr kumimoji="0" sz="1800" b="0" i="0" u="none" strike="noStrike" cap="none" spc="0" normalizeH="0" baseline="0">
             <a:ln>
               <a:noFill/>
             </a:ln>
@@ -7640,7 +7678,7 @@
           <a:buFontTx/>
           <a:buNone/>
           <a:tabLst/>
-          <a:defRPr b="0" baseline="0" cap="none" i="0" spc="0" strike="noStrike" sz="1800" u="none" kumimoji="0" normalizeH="0">
+          <a:defRPr kumimoji="0" sz="1800" b="0" i="0" u="none" strike="noStrike" cap="none" spc="0" normalizeH="0" baseline="0">
             <a:ln>
               <a:noFill/>
             </a:ln>
@@ -7666,7 +7704,7 @@
           <a:buFontTx/>
           <a:buNone/>
           <a:tabLst/>
-          <a:defRPr b="0" baseline="0" cap="none" i="0" spc="0" strike="noStrike" sz="1800" u="none" kumimoji="0" normalizeH="0">
+          <a:defRPr kumimoji="0" sz="1800" b="0" i="0" u="none" strike="noStrike" cap="none" spc="0" normalizeH="0" baseline="0">
             <a:ln>
               <a:noFill/>
             </a:ln>
@@ -7692,7 +7730,7 @@
           <a:buFontTx/>
           <a:buNone/>
           <a:tabLst/>
-          <a:defRPr b="0" baseline="0" cap="none" i="0" spc="0" strike="noStrike" sz="1800" u="none" kumimoji="0" normalizeH="0">
+          <a:defRPr kumimoji="0" sz="1800" b="0" i="0" u="none" strike="noStrike" cap="none" spc="0" normalizeH="0" baseline="0">
             <a:ln>
               <a:noFill/>
             </a:ln>
@@ -7718,7 +7756,7 @@
           <a:buFontTx/>
           <a:buNone/>
           <a:tabLst/>
-          <a:defRPr b="0" baseline="0" cap="none" i="0" spc="0" strike="noStrike" sz="1800" u="none" kumimoji="0" normalizeH="0">
+          <a:defRPr kumimoji="0" sz="1800" b="0" i="0" u="none" strike="noStrike" cap="none" spc="0" normalizeH="0" baseline="0">
             <a:ln>
               <a:noFill/>
             </a:ln>
@@ -7731,9 +7769,15 @@
         </a:lvl9pPr>
       </a:lstStyle>
       <a:style>
-        <a:lnRef idx="0"/>
-        <a:fillRef idx="0"/>
-        <a:effectRef idx="0"/>
+        <a:lnRef idx="0">
+          <a:scrgbClr r="0" g="0" b="0"/>
+        </a:lnRef>
+        <a:fillRef idx="0">
+          <a:scrgbClr r="0" g="0" b="0"/>
+        </a:fillRef>
+        <a:effectRef idx="0">
+          <a:scrgbClr r="0" g="0" b="0"/>
+        </a:effectRef>
         <a:fontRef idx="none"/>
       </a:style>
     </a:lnDef>
@@ -7747,7 +7791,7 @@
         <a:effectLst/>
         <a:sp3d/>
       </a:spPr>
-      <a:bodyPr rot="0" spcFirstLastPara="1" vertOverflow="overflow" horzOverflow="overflow" vert="horz" wrap="square" lIns="50800" tIns="50800" rIns="50800" bIns="50800" numCol="1" spcCol="38100" rtlCol="0" anchor="ctr" upright="0">
+      <a:bodyPr rot="0" spcFirstLastPara="1" vertOverflow="overflow" horzOverflow="overflow" vert="horz" wrap="square" lIns="50800" tIns="50800" rIns="50800" bIns="50800" numCol="1" spcCol="38100" rtlCol="0" anchor="ctr">
         <a:spAutoFit/>
       </a:bodyPr>
       <a:lstStyle>
@@ -7766,7 +7810,7 @@
           <a:buFontTx/>
           <a:buNone/>
           <a:tabLst/>
-          <a:defRPr b="0" baseline="0" cap="none" i="0" spc="0" strike="noStrike" sz="2400" u="none" kumimoji="0" normalizeH="0">
+          <a:defRPr kumimoji="0" sz="2400" b="0" i="0" u="none" strike="noStrike" cap="none" spc="0" normalizeH="0" baseline="0">
             <a:ln>
               <a:noFill/>
             </a:ln>
@@ -7796,7 +7840,7 @@
           <a:buFontTx/>
           <a:buNone/>
           <a:tabLst/>
-          <a:defRPr b="0" baseline="0" cap="none" i="0" spc="0" strike="noStrike" sz="1800" u="none" kumimoji="0" normalizeH="0">
+          <a:defRPr kumimoji="0" sz="1800" b="0" i="0" u="none" strike="noStrike" cap="none" spc="0" normalizeH="0" baseline="0">
             <a:ln>
               <a:noFill/>
             </a:ln>
@@ -7822,7 +7866,7 @@
           <a:buFontTx/>
           <a:buNone/>
           <a:tabLst/>
-          <a:defRPr b="0" baseline="0" cap="none" i="0" spc="0" strike="noStrike" sz="1800" u="none" kumimoji="0" normalizeH="0">
+          <a:defRPr kumimoji="0" sz="1800" b="0" i="0" u="none" strike="noStrike" cap="none" spc="0" normalizeH="0" baseline="0">
             <a:ln>
               <a:noFill/>
             </a:ln>
@@ -7848,7 +7892,7 @@
           <a:buFontTx/>
           <a:buNone/>
           <a:tabLst/>
-          <a:defRPr b="0" baseline="0" cap="none" i="0" spc="0" strike="noStrike" sz="1800" u="none" kumimoji="0" normalizeH="0">
+          <a:defRPr kumimoji="0" sz="1800" b="0" i="0" u="none" strike="noStrike" cap="none" spc="0" normalizeH="0" baseline="0">
             <a:ln>
               <a:noFill/>
             </a:ln>
@@ -7874,7 +7918,7 @@
           <a:buFontTx/>
           <a:buNone/>
           <a:tabLst/>
-          <a:defRPr b="0" baseline="0" cap="none" i="0" spc="0" strike="noStrike" sz="1800" u="none" kumimoji="0" normalizeH="0">
+          <a:defRPr kumimoji="0" sz="1800" b="0" i="0" u="none" strike="noStrike" cap="none" spc="0" normalizeH="0" baseline="0">
             <a:ln>
               <a:noFill/>
             </a:ln>
@@ -7900,7 +7944,7 @@
           <a:buFontTx/>
           <a:buNone/>
           <a:tabLst/>
-          <a:defRPr b="0" baseline="0" cap="none" i="0" spc="0" strike="noStrike" sz="1800" u="none" kumimoji="0" normalizeH="0">
+          <a:defRPr kumimoji="0" sz="1800" b="0" i="0" u="none" strike="noStrike" cap="none" spc="0" normalizeH="0" baseline="0">
             <a:ln>
               <a:noFill/>
             </a:ln>
@@ -7926,7 +7970,7 @@
           <a:buFontTx/>
           <a:buNone/>
           <a:tabLst/>
-          <a:defRPr b="0" baseline="0" cap="none" i="0" spc="0" strike="noStrike" sz="1800" u="none" kumimoji="0" normalizeH="0">
+          <a:defRPr kumimoji="0" sz="1800" b="0" i="0" u="none" strike="noStrike" cap="none" spc="0" normalizeH="0" baseline="0">
             <a:ln>
               <a:noFill/>
             </a:ln>
@@ -7952,7 +7996,7 @@
           <a:buFontTx/>
           <a:buNone/>
           <a:tabLst/>
-          <a:defRPr b="0" baseline="0" cap="none" i="0" spc="0" strike="noStrike" sz="1800" u="none" kumimoji="0" normalizeH="0">
+          <a:defRPr kumimoji="0" sz="1800" b="0" i="0" u="none" strike="noStrike" cap="none" spc="0" normalizeH="0" baseline="0">
             <a:ln>
               <a:noFill/>
             </a:ln>
@@ -7978,7 +8022,7 @@
           <a:buFontTx/>
           <a:buNone/>
           <a:tabLst/>
-          <a:defRPr b="0" baseline="0" cap="none" i="0" spc="0" strike="noStrike" sz="1800" u="none" kumimoji="0" normalizeH="0">
+          <a:defRPr kumimoji="0" sz="1800" b="0" i="0" u="none" strike="noStrike" cap="none" spc="0" normalizeH="0" baseline="0">
             <a:ln>
               <a:noFill/>
             </a:ln>
@@ -8004,7 +8048,7 @@
           <a:buFontTx/>
           <a:buNone/>
           <a:tabLst/>
-          <a:defRPr b="0" baseline="0" cap="none" i="0" spc="0" strike="noStrike" sz="1800" u="none" kumimoji="0" normalizeH="0">
+          <a:defRPr kumimoji="0" sz="1800" b="0" i="0" u="none" strike="noStrike" cap="none" spc="0" normalizeH="0" baseline="0">
             <a:ln>
               <a:noFill/>
             </a:ln>
@@ -8017,12 +8061,19 @@
         </a:lvl9pPr>
       </a:lstStyle>
       <a:style>
-        <a:lnRef idx="0"/>
-        <a:fillRef idx="0"/>
-        <a:effectRef idx="0"/>
+        <a:lnRef idx="0">
+          <a:scrgbClr r="0" g="0" b="0"/>
+        </a:lnRef>
+        <a:fillRef idx="0">
+          <a:scrgbClr r="0" g="0" b="0"/>
+        </a:fillRef>
+        <a:effectRef idx="0">
+          <a:scrgbClr r="0" g="0" b="0"/>
+        </a:effectRef>
         <a:fontRef idx="none"/>
       </a:style>
     </a:txDef>
   </a:objectDefaults>
+  <a:extraClrSchemeLst/>
 </a:theme>
 </file>